--- a/Week4/Week 4.pptx
+++ b/Week4/Week 4.pptx
@@ -23,7 +23,7 @@
     <p:sldId id="270" r:id="rId18"/>
   </p:sldIdLst>
   <p:sldSz cx="9144000" cy="5143500"/>
-  <p:notesSz cx="6858000" cy="9144000"/>
+  <p:notesSz cx="7559675" cy="10691812"/>
 </p:presentation>
 </file>
 
@@ -68,7 +68,7 @@
       </p:grpSpPr>
       <p:sp>
         <p:nvSpPr>
-          <p:cNvPr id="24" name="PlaceHolder 1"/>
+          <p:cNvPr id="23" name="PlaceHolder 1"/>
           <p:cNvSpPr>
             <a:spLocks noGrp="1"/>
           </p:cNvSpPr>
@@ -78,8 +78,8 @@
         </p:nvSpPr>
         <p:spPr>
           <a:xfrm>
-            <a:off x="311760" y="444960"/>
-            <a:ext cx="8520120" cy="572400"/>
+            <a:off x="311760" y="418320"/>
+            <a:ext cx="8519760" cy="625320"/>
           </a:xfrm>
           <a:prstGeom prst="rect">
             <a:avLst/>
@@ -88,18 +88,16 @@
         <p:txBody>
           <a:bodyPr lIns="0" rIns="0" tIns="0" bIns="0" anchor="ctr"/>
           <a:p>
-            <a:endParaRPr b="0" lang="en-GB" sz="1400" spc="-1" strike="noStrike">
-              <a:solidFill>
-                <a:srgbClr val="000000"/>
-              </a:solidFill>
-              <a:latin typeface="Arial"/>
-            </a:endParaRPr>
-          </a:p>
-        </p:txBody>
-      </p:sp>
-      <p:sp>
-        <p:nvSpPr>
-          <p:cNvPr id="25" name="PlaceHolder 2"/>
+            <a:pPr algn="ctr"/>
+            <a:endParaRPr b="0" lang="en-GB" sz="4400" spc="-1" strike="noStrike">
+              <a:latin typeface="Arial"/>
+            </a:endParaRPr>
+          </a:p>
+        </p:txBody>
+      </p:sp>
+      <p:sp>
+        <p:nvSpPr>
+          <p:cNvPr id="24" name="PlaceHolder 2"/>
           <p:cNvSpPr>
             <a:spLocks noGrp="1"/>
           </p:cNvSpPr>
@@ -110,7 +108,7 @@
         <p:spPr>
           <a:xfrm>
             <a:off x="311760" y="1152360"/>
-            <a:ext cx="8520120" cy="1629360"/>
+            <a:ext cx="8519760" cy="1629000"/>
           </a:xfrm>
           <a:prstGeom prst="rect">
             <a:avLst/>
@@ -121,18 +119,15 @@
             <a:normAutofit/>
           </a:bodyPr>
           <a:p>
-            <a:endParaRPr b="0" lang="en-GB" sz="1400" spc="-1" strike="noStrike">
-              <a:solidFill>
-                <a:srgbClr val="000000"/>
-              </a:solidFill>
-              <a:latin typeface="Arial"/>
-            </a:endParaRPr>
-          </a:p>
-        </p:txBody>
-      </p:sp>
-      <p:sp>
-        <p:nvSpPr>
-          <p:cNvPr id="26" name="PlaceHolder 3"/>
+            <a:endParaRPr b="0" lang="en-GB" sz="3200" spc="-1" strike="noStrike">
+              <a:latin typeface="Arial"/>
+            </a:endParaRPr>
+          </a:p>
+        </p:txBody>
+      </p:sp>
+      <p:sp>
+        <p:nvSpPr>
+          <p:cNvPr id="25" name="PlaceHolder 3"/>
           <p:cNvSpPr>
             <a:spLocks noGrp="1"/>
           </p:cNvSpPr>
@@ -142,8 +137,8 @@
         </p:nvSpPr>
         <p:spPr>
           <a:xfrm>
-            <a:off x="311760" y="2936880"/>
-            <a:ext cx="8520120" cy="1629360"/>
+            <a:off x="311760" y="2936520"/>
+            <a:ext cx="8519760" cy="1629000"/>
           </a:xfrm>
           <a:prstGeom prst="rect">
             <a:avLst/>
@@ -154,10 +149,7 @@
             <a:normAutofit/>
           </a:bodyPr>
           <a:p>
-            <a:endParaRPr b="0" lang="en-GB" sz="1400" spc="-1" strike="noStrike">
-              <a:solidFill>
-                <a:srgbClr val="000000"/>
-              </a:solidFill>
+            <a:endParaRPr b="0" lang="en-GB" sz="3200" spc="-1" strike="noStrike">
               <a:latin typeface="Arial"/>
             </a:endParaRPr>
           </a:p>
@@ -187,7 +179,7 @@
       </p:grpSpPr>
       <p:sp>
         <p:nvSpPr>
-          <p:cNvPr id="27" name="PlaceHolder 1"/>
+          <p:cNvPr id="26" name="PlaceHolder 1"/>
           <p:cNvSpPr>
             <a:spLocks noGrp="1"/>
           </p:cNvSpPr>
@@ -197,8 +189,8 @@
         </p:nvSpPr>
         <p:spPr>
           <a:xfrm>
-            <a:off x="311760" y="444960"/>
-            <a:ext cx="8520120" cy="572400"/>
+            <a:off x="311760" y="418320"/>
+            <a:ext cx="8519760" cy="625320"/>
           </a:xfrm>
           <a:prstGeom prst="rect">
             <a:avLst/>
@@ -207,18 +199,16 @@
         <p:txBody>
           <a:bodyPr lIns="0" rIns="0" tIns="0" bIns="0" anchor="ctr"/>
           <a:p>
-            <a:endParaRPr b="0" lang="en-GB" sz="1400" spc="-1" strike="noStrike">
-              <a:solidFill>
-                <a:srgbClr val="000000"/>
-              </a:solidFill>
-              <a:latin typeface="Arial"/>
-            </a:endParaRPr>
-          </a:p>
-        </p:txBody>
-      </p:sp>
-      <p:sp>
-        <p:nvSpPr>
-          <p:cNvPr id="28" name="PlaceHolder 2"/>
+            <a:pPr algn="ctr"/>
+            <a:endParaRPr b="0" lang="en-GB" sz="4400" spc="-1" strike="noStrike">
+              <a:latin typeface="Arial"/>
+            </a:endParaRPr>
+          </a:p>
+        </p:txBody>
+      </p:sp>
+      <p:sp>
+        <p:nvSpPr>
+          <p:cNvPr id="27" name="PlaceHolder 2"/>
           <p:cNvSpPr>
             <a:spLocks noGrp="1"/>
           </p:cNvSpPr>
@@ -229,7 +219,7 @@
         <p:spPr>
           <a:xfrm>
             <a:off x="311760" y="1152360"/>
-            <a:ext cx="4157640" cy="1629360"/>
+            <a:ext cx="4157280" cy="1629000"/>
           </a:xfrm>
           <a:prstGeom prst="rect">
             <a:avLst/>
@@ -240,18 +230,15 @@
             <a:normAutofit/>
           </a:bodyPr>
           <a:p>
-            <a:endParaRPr b="0" lang="en-GB" sz="1400" spc="-1" strike="noStrike">
-              <a:solidFill>
-                <a:srgbClr val="000000"/>
-              </a:solidFill>
-              <a:latin typeface="Arial"/>
-            </a:endParaRPr>
-          </a:p>
-        </p:txBody>
-      </p:sp>
-      <p:sp>
-        <p:nvSpPr>
-          <p:cNvPr id="29" name="PlaceHolder 3"/>
+            <a:endParaRPr b="0" lang="en-GB" sz="3200" spc="-1" strike="noStrike">
+              <a:latin typeface="Arial"/>
+            </a:endParaRPr>
+          </a:p>
+        </p:txBody>
+      </p:sp>
+      <p:sp>
+        <p:nvSpPr>
+          <p:cNvPr id="28" name="PlaceHolder 3"/>
           <p:cNvSpPr>
             <a:spLocks noGrp="1"/>
           </p:cNvSpPr>
@@ -261,8 +248,8 @@
         </p:nvSpPr>
         <p:spPr>
           <a:xfrm>
-            <a:off x="4677840" y="1152360"/>
-            <a:ext cx="4157640" cy="1629360"/>
+            <a:off x="4677120" y="1152360"/>
+            <a:ext cx="4157280" cy="1629000"/>
           </a:xfrm>
           <a:prstGeom prst="rect">
             <a:avLst/>
@@ -273,18 +260,15 @@
             <a:normAutofit/>
           </a:bodyPr>
           <a:p>
-            <a:endParaRPr b="0" lang="en-GB" sz="1400" spc="-1" strike="noStrike">
-              <a:solidFill>
-                <a:srgbClr val="000000"/>
-              </a:solidFill>
-              <a:latin typeface="Arial"/>
-            </a:endParaRPr>
-          </a:p>
-        </p:txBody>
-      </p:sp>
-      <p:sp>
-        <p:nvSpPr>
-          <p:cNvPr id="30" name="PlaceHolder 4"/>
+            <a:endParaRPr b="0" lang="en-GB" sz="3200" spc="-1" strike="noStrike">
+              <a:latin typeface="Arial"/>
+            </a:endParaRPr>
+          </a:p>
+        </p:txBody>
+      </p:sp>
+      <p:sp>
+        <p:nvSpPr>
+          <p:cNvPr id="29" name="PlaceHolder 4"/>
           <p:cNvSpPr>
             <a:spLocks noGrp="1"/>
           </p:cNvSpPr>
@@ -294,8 +278,8 @@
         </p:nvSpPr>
         <p:spPr>
           <a:xfrm>
-            <a:off x="311760" y="2936880"/>
-            <a:ext cx="4157640" cy="1629360"/>
+            <a:off x="311760" y="2936520"/>
+            <a:ext cx="4157280" cy="1629000"/>
           </a:xfrm>
           <a:prstGeom prst="rect">
             <a:avLst/>
@@ -306,18 +290,15 @@
             <a:normAutofit/>
           </a:bodyPr>
           <a:p>
-            <a:endParaRPr b="0" lang="en-GB" sz="1400" spc="-1" strike="noStrike">
-              <a:solidFill>
-                <a:srgbClr val="000000"/>
-              </a:solidFill>
-              <a:latin typeface="Arial"/>
-            </a:endParaRPr>
-          </a:p>
-        </p:txBody>
-      </p:sp>
-      <p:sp>
-        <p:nvSpPr>
-          <p:cNvPr id="31" name="PlaceHolder 5"/>
+            <a:endParaRPr b="0" lang="en-GB" sz="3200" spc="-1" strike="noStrike">
+              <a:latin typeface="Arial"/>
+            </a:endParaRPr>
+          </a:p>
+        </p:txBody>
+      </p:sp>
+      <p:sp>
+        <p:nvSpPr>
+          <p:cNvPr id="30" name="PlaceHolder 5"/>
           <p:cNvSpPr>
             <a:spLocks noGrp="1"/>
           </p:cNvSpPr>
@@ -327,8 +308,8 @@
         </p:nvSpPr>
         <p:spPr>
           <a:xfrm>
-            <a:off x="4677840" y="2936880"/>
-            <a:ext cx="4157640" cy="1629360"/>
+            <a:off x="4677120" y="2936520"/>
+            <a:ext cx="4157280" cy="1629000"/>
           </a:xfrm>
           <a:prstGeom prst="rect">
             <a:avLst/>
@@ -339,10 +320,7 @@
             <a:normAutofit/>
           </a:bodyPr>
           <a:p>
-            <a:endParaRPr b="0" lang="en-GB" sz="1400" spc="-1" strike="noStrike">
-              <a:solidFill>
-                <a:srgbClr val="000000"/>
-              </a:solidFill>
+            <a:endParaRPr b="0" lang="en-GB" sz="3200" spc="-1" strike="noStrike">
               <a:latin typeface="Arial"/>
             </a:endParaRPr>
           </a:p>
@@ -372,7 +350,7 @@
       </p:grpSpPr>
       <p:sp>
         <p:nvSpPr>
-          <p:cNvPr id="32" name="PlaceHolder 1"/>
+          <p:cNvPr id="31" name="PlaceHolder 1"/>
           <p:cNvSpPr>
             <a:spLocks noGrp="1"/>
           </p:cNvSpPr>
@@ -382,8 +360,8 @@
         </p:nvSpPr>
         <p:spPr>
           <a:xfrm>
-            <a:off x="311760" y="444960"/>
-            <a:ext cx="8520120" cy="572400"/>
+            <a:off x="311760" y="418320"/>
+            <a:ext cx="8519760" cy="625320"/>
           </a:xfrm>
           <a:prstGeom prst="rect">
             <a:avLst/>
@@ -392,18 +370,16 @@
         <p:txBody>
           <a:bodyPr lIns="0" rIns="0" tIns="0" bIns="0" anchor="ctr"/>
           <a:p>
-            <a:endParaRPr b="0" lang="en-GB" sz="1400" spc="-1" strike="noStrike">
-              <a:solidFill>
-                <a:srgbClr val="000000"/>
-              </a:solidFill>
-              <a:latin typeface="Arial"/>
-            </a:endParaRPr>
-          </a:p>
-        </p:txBody>
-      </p:sp>
-      <p:sp>
-        <p:nvSpPr>
-          <p:cNvPr id="33" name="PlaceHolder 2"/>
+            <a:pPr algn="ctr"/>
+            <a:endParaRPr b="0" lang="en-GB" sz="4400" spc="-1" strike="noStrike">
+              <a:latin typeface="Arial"/>
+            </a:endParaRPr>
+          </a:p>
+        </p:txBody>
+      </p:sp>
+      <p:sp>
+        <p:nvSpPr>
+          <p:cNvPr id="32" name="PlaceHolder 2"/>
           <p:cNvSpPr>
             <a:spLocks noGrp="1"/>
           </p:cNvSpPr>
@@ -414,7 +390,7 @@
         <p:spPr>
           <a:xfrm>
             <a:off x="311760" y="1152360"/>
-            <a:ext cx="2743200" cy="1629360"/>
+            <a:ext cx="2743200" cy="1629000"/>
           </a:xfrm>
           <a:prstGeom prst="rect">
             <a:avLst/>
@@ -425,18 +401,15 @@
             <a:normAutofit/>
           </a:bodyPr>
           <a:p>
-            <a:endParaRPr b="0" lang="en-GB" sz="1400" spc="-1" strike="noStrike">
-              <a:solidFill>
-                <a:srgbClr val="000000"/>
-              </a:solidFill>
-              <a:latin typeface="Arial"/>
-            </a:endParaRPr>
-          </a:p>
-        </p:txBody>
-      </p:sp>
-      <p:sp>
-        <p:nvSpPr>
-          <p:cNvPr id="34" name="PlaceHolder 3"/>
+            <a:endParaRPr b="0" lang="en-GB" sz="3200" spc="-1" strike="noStrike">
+              <a:latin typeface="Arial"/>
+            </a:endParaRPr>
+          </a:p>
+        </p:txBody>
+      </p:sp>
+      <p:sp>
+        <p:nvSpPr>
+          <p:cNvPr id="33" name="PlaceHolder 3"/>
           <p:cNvSpPr>
             <a:spLocks noGrp="1"/>
           </p:cNvSpPr>
@@ -447,7 +420,7 @@
         <p:spPr>
           <a:xfrm>
             <a:off x="3192480" y="1152360"/>
-            <a:ext cx="2743200" cy="1629360"/>
+            <a:ext cx="2743200" cy="1629000"/>
           </a:xfrm>
           <a:prstGeom prst="rect">
             <a:avLst/>
@@ -458,18 +431,15 @@
             <a:normAutofit/>
           </a:bodyPr>
           <a:p>
-            <a:endParaRPr b="0" lang="en-GB" sz="1400" spc="-1" strike="noStrike">
-              <a:solidFill>
-                <a:srgbClr val="000000"/>
-              </a:solidFill>
-              <a:latin typeface="Arial"/>
-            </a:endParaRPr>
-          </a:p>
-        </p:txBody>
-      </p:sp>
-      <p:sp>
-        <p:nvSpPr>
-          <p:cNvPr id="35" name="PlaceHolder 4"/>
+            <a:endParaRPr b="0" lang="en-GB" sz="3200" spc="-1" strike="noStrike">
+              <a:latin typeface="Arial"/>
+            </a:endParaRPr>
+          </a:p>
+        </p:txBody>
+      </p:sp>
+      <p:sp>
+        <p:nvSpPr>
+          <p:cNvPr id="34" name="PlaceHolder 4"/>
           <p:cNvSpPr>
             <a:spLocks noGrp="1"/>
           </p:cNvSpPr>
@@ -480,7 +450,7 @@
         <p:spPr>
           <a:xfrm>
             <a:off x="6073200" y="1152360"/>
-            <a:ext cx="2743200" cy="1629360"/>
+            <a:ext cx="2743200" cy="1629000"/>
           </a:xfrm>
           <a:prstGeom prst="rect">
             <a:avLst/>
@@ -491,18 +461,15 @@
             <a:normAutofit/>
           </a:bodyPr>
           <a:p>
-            <a:endParaRPr b="0" lang="en-GB" sz="1400" spc="-1" strike="noStrike">
-              <a:solidFill>
-                <a:srgbClr val="000000"/>
-              </a:solidFill>
-              <a:latin typeface="Arial"/>
-            </a:endParaRPr>
-          </a:p>
-        </p:txBody>
-      </p:sp>
-      <p:sp>
-        <p:nvSpPr>
-          <p:cNvPr id="36" name="PlaceHolder 5"/>
+            <a:endParaRPr b="0" lang="en-GB" sz="3200" spc="-1" strike="noStrike">
+              <a:latin typeface="Arial"/>
+            </a:endParaRPr>
+          </a:p>
+        </p:txBody>
+      </p:sp>
+      <p:sp>
+        <p:nvSpPr>
+          <p:cNvPr id="35" name="PlaceHolder 5"/>
           <p:cNvSpPr>
             <a:spLocks noGrp="1"/>
           </p:cNvSpPr>
@@ -512,8 +479,8 @@
         </p:nvSpPr>
         <p:spPr>
           <a:xfrm>
-            <a:off x="311760" y="2936880"/>
-            <a:ext cx="2743200" cy="1629360"/>
+            <a:off x="311760" y="2936520"/>
+            <a:ext cx="2743200" cy="1629000"/>
           </a:xfrm>
           <a:prstGeom prst="rect">
             <a:avLst/>
@@ -524,18 +491,15 @@
             <a:normAutofit/>
           </a:bodyPr>
           <a:p>
-            <a:endParaRPr b="0" lang="en-GB" sz="1400" spc="-1" strike="noStrike">
-              <a:solidFill>
-                <a:srgbClr val="000000"/>
-              </a:solidFill>
-              <a:latin typeface="Arial"/>
-            </a:endParaRPr>
-          </a:p>
-        </p:txBody>
-      </p:sp>
-      <p:sp>
-        <p:nvSpPr>
-          <p:cNvPr id="37" name="PlaceHolder 6"/>
+            <a:endParaRPr b="0" lang="en-GB" sz="3200" spc="-1" strike="noStrike">
+              <a:latin typeface="Arial"/>
+            </a:endParaRPr>
+          </a:p>
+        </p:txBody>
+      </p:sp>
+      <p:sp>
+        <p:nvSpPr>
+          <p:cNvPr id="36" name="PlaceHolder 6"/>
           <p:cNvSpPr>
             <a:spLocks noGrp="1"/>
           </p:cNvSpPr>
@@ -545,8 +509,8 @@
         </p:nvSpPr>
         <p:spPr>
           <a:xfrm>
-            <a:off x="3192480" y="2936880"/>
-            <a:ext cx="2743200" cy="1629360"/>
+            <a:off x="3192480" y="2936520"/>
+            <a:ext cx="2743200" cy="1629000"/>
           </a:xfrm>
           <a:prstGeom prst="rect">
             <a:avLst/>
@@ -557,18 +521,15 @@
             <a:normAutofit/>
           </a:bodyPr>
           <a:p>
-            <a:endParaRPr b="0" lang="en-GB" sz="1400" spc="-1" strike="noStrike">
-              <a:solidFill>
-                <a:srgbClr val="000000"/>
-              </a:solidFill>
-              <a:latin typeface="Arial"/>
-            </a:endParaRPr>
-          </a:p>
-        </p:txBody>
-      </p:sp>
-      <p:sp>
-        <p:nvSpPr>
-          <p:cNvPr id="38" name="PlaceHolder 7"/>
+            <a:endParaRPr b="0" lang="en-GB" sz="3200" spc="-1" strike="noStrike">
+              <a:latin typeface="Arial"/>
+            </a:endParaRPr>
+          </a:p>
+        </p:txBody>
+      </p:sp>
+      <p:sp>
+        <p:nvSpPr>
+          <p:cNvPr id="37" name="PlaceHolder 7"/>
           <p:cNvSpPr>
             <a:spLocks noGrp="1"/>
           </p:cNvSpPr>
@@ -578,8 +539,8 @@
         </p:nvSpPr>
         <p:spPr>
           <a:xfrm>
-            <a:off x="6073200" y="2936880"/>
-            <a:ext cx="2743200" cy="1629360"/>
+            <a:off x="6073200" y="2936520"/>
+            <a:ext cx="2743200" cy="1629000"/>
           </a:xfrm>
           <a:prstGeom prst="rect">
             <a:avLst/>
@@ -590,10 +551,7 @@
             <a:normAutofit/>
           </a:bodyPr>
           <a:p>
-            <a:endParaRPr b="0" lang="en-GB" sz="1400" spc="-1" strike="noStrike">
-              <a:solidFill>
-                <a:srgbClr val="000000"/>
-              </a:solidFill>
+            <a:endParaRPr b="0" lang="en-GB" sz="3200" spc="-1" strike="noStrike">
               <a:latin typeface="Arial"/>
             </a:endParaRPr>
           </a:p>
@@ -645,7 +603,7 @@
       </p:grpSpPr>
       <p:sp>
         <p:nvSpPr>
-          <p:cNvPr id="42" name="PlaceHolder 1"/>
+          <p:cNvPr id="40" name="PlaceHolder 1"/>
           <p:cNvSpPr>
             <a:spLocks noGrp="1"/>
           </p:cNvSpPr>
@@ -655,8 +613,8 @@
         </p:nvSpPr>
         <p:spPr>
           <a:xfrm>
-            <a:off x="311760" y="444960"/>
-            <a:ext cx="8520120" cy="572400"/>
+            <a:off x="311760" y="418320"/>
+            <a:ext cx="8519760" cy="625320"/>
           </a:xfrm>
           <a:prstGeom prst="rect">
             <a:avLst/>
@@ -665,18 +623,16 @@
         <p:txBody>
           <a:bodyPr lIns="0" rIns="0" tIns="0" bIns="0" anchor="ctr"/>
           <a:p>
-            <a:endParaRPr b="0" lang="en-GB" sz="1400" spc="-1" strike="noStrike">
-              <a:solidFill>
-                <a:srgbClr val="000000"/>
-              </a:solidFill>
-              <a:latin typeface="Arial"/>
-            </a:endParaRPr>
-          </a:p>
-        </p:txBody>
-      </p:sp>
-      <p:sp>
-        <p:nvSpPr>
-          <p:cNvPr id="43" name="PlaceHolder 2"/>
+            <a:pPr algn="ctr"/>
+            <a:endParaRPr b="0" lang="en-GB" sz="4400" spc="-1" strike="noStrike">
+              <a:latin typeface="Arial"/>
+            </a:endParaRPr>
+          </a:p>
+        </p:txBody>
+      </p:sp>
+      <p:sp>
+        <p:nvSpPr>
+          <p:cNvPr id="41" name="PlaceHolder 2"/>
           <p:cNvSpPr>
             <a:spLocks noGrp="1"/>
           </p:cNvSpPr>
@@ -687,7 +643,7 @@
         <p:spPr>
           <a:xfrm>
             <a:off x="311760" y="1152360"/>
-            <a:ext cx="8520120" cy="3416040"/>
+            <a:ext cx="8519760" cy="3415680"/>
           </a:xfrm>
           <a:prstGeom prst="rect">
             <a:avLst/>
@@ -727,7 +683,7 @@
       </p:grpSpPr>
       <p:sp>
         <p:nvSpPr>
-          <p:cNvPr id="44" name="PlaceHolder 1"/>
+          <p:cNvPr id="42" name="PlaceHolder 1"/>
           <p:cNvSpPr>
             <a:spLocks noGrp="1"/>
           </p:cNvSpPr>
@@ -737,8 +693,8 @@
         </p:nvSpPr>
         <p:spPr>
           <a:xfrm>
-            <a:off x="311760" y="444960"/>
-            <a:ext cx="8520120" cy="572400"/>
+            <a:off x="311760" y="418320"/>
+            <a:ext cx="8519760" cy="625320"/>
           </a:xfrm>
           <a:prstGeom prst="rect">
             <a:avLst/>
@@ -747,18 +703,16 @@
         <p:txBody>
           <a:bodyPr lIns="0" rIns="0" tIns="0" bIns="0" anchor="ctr"/>
           <a:p>
-            <a:endParaRPr b="0" lang="en-GB" sz="1400" spc="-1" strike="noStrike">
-              <a:solidFill>
-                <a:srgbClr val="000000"/>
-              </a:solidFill>
-              <a:latin typeface="Arial"/>
-            </a:endParaRPr>
-          </a:p>
-        </p:txBody>
-      </p:sp>
-      <p:sp>
-        <p:nvSpPr>
-          <p:cNvPr id="45" name="PlaceHolder 2"/>
+            <a:pPr algn="ctr"/>
+            <a:endParaRPr b="0" lang="en-GB" sz="4400" spc="-1" strike="noStrike">
+              <a:latin typeface="Arial"/>
+            </a:endParaRPr>
+          </a:p>
+        </p:txBody>
+      </p:sp>
+      <p:sp>
+        <p:nvSpPr>
+          <p:cNvPr id="43" name="PlaceHolder 2"/>
           <p:cNvSpPr>
             <a:spLocks noGrp="1"/>
           </p:cNvSpPr>
@@ -769,7 +723,7 @@
         <p:spPr>
           <a:xfrm>
             <a:off x="311760" y="1152360"/>
-            <a:ext cx="8520120" cy="3416040"/>
+            <a:ext cx="8519760" cy="3415680"/>
           </a:xfrm>
           <a:prstGeom prst="rect">
             <a:avLst/>
@@ -780,10 +734,7 @@
             <a:normAutofit/>
           </a:bodyPr>
           <a:p>
-            <a:endParaRPr b="0" lang="en-GB" sz="1400" spc="-1" strike="noStrike">
-              <a:solidFill>
-                <a:srgbClr val="000000"/>
-              </a:solidFill>
+            <a:endParaRPr b="0" lang="en-GB" sz="3200" spc="-1" strike="noStrike">
               <a:latin typeface="Arial"/>
             </a:endParaRPr>
           </a:p>
@@ -813,7 +764,7 @@
       </p:grpSpPr>
       <p:sp>
         <p:nvSpPr>
-          <p:cNvPr id="46" name="PlaceHolder 1"/>
+          <p:cNvPr id="44" name="PlaceHolder 1"/>
           <p:cNvSpPr>
             <a:spLocks noGrp="1"/>
           </p:cNvSpPr>
@@ -823,8 +774,8 @@
         </p:nvSpPr>
         <p:spPr>
           <a:xfrm>
-            <a:off x="311760" y="444960"/>
-            <a:ext cx="8520120" cy="572400"/>
+            <a:off x="311760" y="418320"/>
+            <a:ext cx="8519760" cy="625320"/>
           </a:xfrm>
           <a:prstGeom prst="rect">
             <a:avLst/>
@@ -833,18 +784,16 @@
         <p:txBody>
           <a:bodyPr lIns="0" rIns="0" tIns="0" bIns="0" anchor="ctr"/>
           <a:p>
-            <a:endParaRPr b="0" lang="en-GB" sz="1400" spc="-1" strike="noStrike">
-              <a:solidFill>
-                <a:srgbClr val="000000"/>
-              </a:solidFill>
-              <a:latin typeface="Arial"/>
-            </a:endParaRPr>
-          </a:p>
-        </p:txBody>
-      </p:sp>
-      <p:sp>
-        <p:nvSpPr>
-          <p:cNvPr id="47" name="PlaceHolder 2"/>
+            <a:pPr algn="ctr"/>
+            <a:endParaRPr b="0" lang="en-GB" sz="4400" spc="-1" strike="noStrike">
+              <a:latin typeface="Arial"/>
+            </a:endParaRPr>
+          </a:p>
+        </p:txBody>
+      </p:sp>
+      <p:sp>
+        <p:nvSpPr>
+          <p:cNvPr id="45" name="PlaceHolder 2"/>
           <p:cNvSpPr>
             <a:spLocks noGrp="1"/>
           </p:cNvSpPr>
@@ -855,7 +804,7 @@
         <p:spPr>
           <a:xfrm>
             <a:off x="311760" y="1152360"/>
-            <a:ext cx="4157640" cy="3416040"/>
+            <a:ext cx="4157280" cy="3415680"/>
           </a:xfrm>
           <a:prstGeom prst="rect">
             <a:avLst/>
@@ -866,18 +815,15 @@
             <a:normAutofit/>
           </a:bodyPr>
           <a:p>
-            <a:endParaRPr b="0" lang="en-GB" sz="1400" spc="-1" strike="noStrike">
-              <a:solidFill>
-                <a:srgbClr val="000000"/>
-              </a:solidFill>
-              <a:latin typeface="Arial"/>
-            </a:endParaRPr>
-          </a:p>
-        </p:txBody>
-      </p:sp>
-      <p:sp>
-        <p:nvSpPr>
-          <p:cNvPr id="48" name="PlaceHolder 3"/>
+            <a:endParaRPr b="0" lang="en-GB" sz="3200" spc="-1" strike="noStrike">
+              <a:latin typeface="Arial"/>
+            </a:endParaRPr>
+          </a:p>
+        </p:txBody>
+      </p:sp>
+      <p:sp>
+        <p:nvSpPr>
+          <p:cNvPr id="46" name="PlaceHolder 3"/>
           <p:cNvSpPr>
             <a:spLocks noGrp="1"/>
           </p:cNvSpPr>
@@ -887,8 +833,8 @@
         </p:nvSpPr>
         <p:spPr>
           <a:xfrm>
-            <a:off x="4677840" y="1152360"/>
-            <a:ext cx="4157640" cy="3416040"/>
+            <a:off x="4677120" y="1152360"/>
+            <a:ext cx="4157280" cy="3415680"/>
           </a:xfrm>
           <a:prstGeom prst="rect">
             <a:avLst/>
@@ -899,10 +845,7 @@
             <a:normAutofit/>
           </a:bodyPr>
           <a:p>
-            <a:endParaRPr b="0" lang="en-GB" sz="1400" spc="-1" strike="noStrike">
-              <a:solidFill>
-                <a:srgbClr val="000000"/>
-              </a:solidFill>
+            <a:endParaRPr b="0" lang="en-GB" sz="3200" spc="-1" strike="noStrike">
               <a:latin typeface="Arial"/>
             </a:endParaRPr>
           </a:p>
@@ -932,7 +875,7 @@
       </p:grpSpPr>
       <p:sp>
         <p:nvSpPr>
-          <p:cNvPr id="49" name="PlaceHolder 1"/>
+          <p:cNvPr id="47" name="PlaceHolder 1"/>
           <p:cNvSpPr>
             <a:spLocks noGrp="1"/>
           </p:cNvSpPr>
@@ -942,8 +885,8 @@
         </p:nvSpPr>
         <p:spPr>
           <a:xfrm>
-            <a:off x="311760" y="444960"/>
-            <a:ext cx="8520120" cy="572400"/>
+            <a:off x="311760" y="418320"/>
+            <a:ext cx="8519760" cy="625320"/>
           </a:xfrm>
           <a:prstGeom prst="rect">
             <a:avLst/>
@@ -952,10 +895,8 @@
         <p:txBody>
           <a:bodyPr lIns="0" rIns="0" tIns="0" bIns="0" anchor="ctr"/>
           <a:p>
-            <a:endParaRPr b="0" lang="en-GB" sz="1400" spc="-1" strike="noStrike">
-              <a:solidFill>
-                <a:srgbClr val="000000"/>
-              </a:solidFill>
+            <a:pPr algn="ctr"/>
+            <a:endParaRPr b="0" lang="en-GB" sz="4400" spc="-1" strike="noStrike">
               <a:latin typeface="Arial"/>
             </a:endParaRPr>
           </a:p>
@@ -985,7 +926,7 @@
       </p:grpSpPr>
       <p:sp>
         <p:nvSpPr>
-          <p:cNvPr id="50" name="PlaceHolder 1"/>
+          <p:cNvPr id="48" name="PlaceHolder 1"/>
           <p:cNvSpPr>
             <a:spLocks noGrp="1"/>
           </p:cNvSpPr>
@@ -996,7 +937,7 @@
         <p:spPr>
           <a:xfrm>
             <a:off x="311760" y="444960"/>
-            <a:ext cx="8520120" cy="2654640"/>
+            <a:ext cx="8519760" cy="2652840"/>
           </a:xfrm>
           <a:prstGeom prst="rect">
             <a:avLst/>
@@ -1036,7 +977,7 @@
       </p:grpSpPr>
       <p:sp>
         <p:nvSpPr>
-          <p:cNvPr id="51" name="PlaceHolder 1"/>
+          <p:cNvPr id="49" name="PlaceHolder 1"/>
           <p:cNvSpPr>
             <a:spLocks noGrp="1"/>
           </p:cNvSpPr>
@@ -1046,8 +987,8 @@
         </p:nvSpPr>
         <p:spPr>
           <a:xfrm>
-            <a:off x="311760" y="444960"/>
-            <a:ext cx="8520120" cy="572400"/>
+            <a:off x="311760" y="418320"/>
+            <a:ext cx="8519760" cy="625320"/>
           </a:xfrm>
           <a:prstGeom prst="rect">
             <a:avLst/>
@@ -1056,18 +997,16 @@
         <p:txBody>
           <a:bodyPr lIns="0" rIns="0" tIns="0" bIns="0" anchor="ctr"/>
           <a:p>
-            <a:endParaRPr b="0" lang="en-GB" sz="1400" spc="-1" strike="noStrike">
-              <a:solidFill>
-                <a:srgbClr val="000000"/>
-              </a:solidFill>
-              <a:latin typeface="Arial"/>
-            </a:endParaRPr>
-          </a:p>
-        </p:txBody>
-      </p:sp>
-      <p:sp>
-        <p:nvSpPr>
-          <p:cNvPr id="52" name="PlaceHolder 2"/>
+            <a:pPr algn="ctr"/>
+            <a:endParaRPr b="0" lang="en-GB" sz="4400" spc="-1" strike="noStrike">
+              <a:latin typeface="Arial"/>
+            </a:endParaRPr>
+          </a:p>
+        </p:txBody>
+      </p:sp>
+      <p:sp>
+        <p:nvSpPr>
+          <p:cNvPr id="50" name="PlaceHolder 2"/>
           <p:cNvSpPr>
             <a:spLocks noGrp="1"/>
           </p:cNvSpPr>
@@ -1078,7 +1017,7 @@
         <p:spPr>
           <a:xfrm>
             <a:off x="311760" y="1152360"/>
-            <a:ext cx="4157640" cy="1629360"/>
+            <a:ext cx="4157280" cy="1629000"/>
           </a:xfrm>
           <a:prstGeom prst="rect">
             <a:avLst/>
@@ -1089,18 +1028,15 @@
             <a:normAutofit/>
           </a:bodyPr>
           <a:p>
-            <a:endParaRPr b="0" lang="en-GB" sz="1400" spc="-1" strike="noStrike">
-              <a:solidFill>
-                <a:srgbClr val="000000"/>
-              </a:solidFill>
-              <a:latin typeface="Arial"/>
-            </a:endParaRPr>
-          </a:p>
-        </p:txBody>
-      </p:sp>
-      <p:sp>
-        <p:nvSpPr>
-          <p:cNvPr id="53" name="PlaceHolder 3"/>
+            <a:endParaRPr b="0" lang="en-GB" sz="3200" spc="-1" strike="noStrike">
+              <a:latin typeface="Arial"/>
+            </a:endParaRPr>
+          </a:p>
+        </p:txBody>
+      </p:sp>
+      <p:sp>
+        <p:nvSpPr>
+          <p:cNvPr id="51" name="PlaceHolder 3"/>
           <p:cNvSpPr>
             <a:spLocks noGrp="1"/>
           </p:cNvSpPr>
@@ -1110,8 +1046,8 @@
         </p:nvSpPr>
         <p:spPr>
           <a:xfrm>
-            <a:off x="4677840" y="1152360"/>
-            <a:ext cx="4157640" cy="3416040"/>
+            <a:off x="4677120" y="1152360"/>
+            <a:ext cx="4157280" cy="3415680"/>
           </a:xfrm>
           <a:prstGeom prst="rect">
             <a:avLst/>
@@ -1122,18 +1058,15 @@
             <a:normAutofit/>
           </a:bodyPr>
           <a:p>
-            <a:endParaRPr b="0" lang="en-GB" sz="1400" spc="-1" strike="noStrike">
-              <a:solidFill>
-                <a:srgbClr val="000000"/>
-              </a:solidFill>
-              <a:latin typeface="Arial"/>
-            </a:endParaRPr>
-          </a:p>
-        </p:txBody>
-      </p:sp>
-      <p:sp>
-        <p:nvSpPr>
-          <p:cNvPr id="54" name="PlaceHolder 4"/>
+            <a:endParaRPr b="0" lang="en-GB" sz="3200" spc="-1" strike="noStrike">
+              <a:latin typeface="Arial"/>
+            </a:endParaRPr>
+          </a:p>
+        </p:txBody>
+      </p:sp>
+      <p:sp>
+        <p:nvSpPr>
+          <p:cNvPr id="52" name="PlaceHolder 4"/>
           <p:cNvSpPr>
             <a:spLocks noGrp="1"/>
           </p:cNvSpPr>
@@ -1143,8 +1076,8 @@
         </p:nvSpPr>
         <p:spPr>
           <a:xfrm>
-            <a:off x="311760" y="2936880"/>
-            <a:ext cx="4157640" cy="1629360"/>
+            <a:off x="311760" y="2936520"/>
+            <a:ext cx="4157280" cy="1629000"/>
           </a:xfrm>
           <a:prstGeom prst="rect">
             <a:avLst/>
@@ -1155,10 +1088,7 @@
             <a:normAutofit/>
           </a:bodyPr>
           <a:p>
-            <a:endParaRPr b="0" lang="en-GB" sz="1400" spc="-1" strike="noStrike">
-              <a:solidFill>
-                <a:srgbClr val="000000"/>
-              </a:solidFill>
+            <a:endParaRPr b="0" lang="en-GB" sz="3200" spc="-1" strike="noStrike">
               <a:latin typeface="Arial"/>
             </a:endParaRPr>
           </a:p>
@@ -1188,7 +1118,7 @@
       </p:grpSpPr>
       <p:sp>
         <p:nvSpPr>
-          <p:cNvPr id="3" name="PlaceHolder 1"/>
+          <p:cNvPr id="2" name="PlaceHolder 1"/>
           <p:cNvSpPr>
             <a:spLocks noGrp="1"/>
           </p:cNvSpPr>
@@ -1198,8 +1128,8 @@
         </p:nvSpPr>
         <p:spPr>
           <a:xfrm>
-            <a:off x="311760" y="444960"/>
-            <a:ext cx="8520120" cy="572400"/>
+            <a:off x="311760" y="418320"/>
+            <a:ext cx="8519760" cy="625320"/>
           </a:xfrm>
           <a:prstGeom prst="rect">
             <a:avLst/>
@@ -1208,18 +1138,16 @@
         <p:txBody>
           <a:bodyPr lIns="0" rIns="0" tIns="0" bIns="0" anchor="ctr"/>
           <a:p>
-            <a:endParaRPr b="0" lang="en-GB" sz="1400" spc="-1" strike="noStrike">
-              <a:solidFill>
-                <a:srgbClr val="000000"/>
-              </a:solidFill>
-              <a:latin typeface="Arial"/>
-            </a:endParaRPr>
-          </a:p>
-        </p:txBody>
-      </p:sp>
-      <p:sp>
-        <p:nvSpPr>
-          <p:cNvPr id="4" name="PlaceHolder 2"/>
+            <a:pPr algn="ctr"/>
+            <a:endParaRPr b="0" lang="en-GB" sz="4400" spc="-1" strike="noStrike">
+              <a:latin typeface="Arial"/>
+            </a:endParaRPr>
+          </a:p>
+        </p:txBody>
+      </p:sp>
+      <p:sp>
+        <p:nvSpPr>
+          <p:cNvPr id="3" name="PlaceHolder 2"/>
           <p:cNvSpPr>
             <a:spLocks noGrp="1"/>
           </p:cNvSpPr>
@@ -1230,7 +1158,7 @@
         <p:spPr>
           <a:xfrm>
             <a:off x="311760" y="1152360"/>
-            <a:ext cx="8520120" cy="3416040"/>
+            <a:ext cx="8519760" cy="3415680"/>
           </a:xfrm>
           <a:prstGeom prst="rect">
             <a:avLst/>
@@ -1270,7 +1198,7 @@
       </p:grpSpPr>
       <p:sp>
         <p:nvSpPr>
-          <p:cNvPr id="55" name="PlaceHolder 1"/>
+          <p:cNvPr id="53" name="PlaceHolder 1"/>
           <p:cNvSpPr>
             <a:spLocks noGrp="1"/>
           </p:cNvSpPr>
@@ -1280,8 +1208,8 @@
         </p:nvSpPr>
         <p:spPr>
           <a:xfrm>
-            <a:off x="311760" y="444960"/>
-            <a:ext cx="8520120" cy="572400"/>
+            <a:off x="311760" y="418320"/>
+            <a:ext cx="8519760" cy="625320"/>
           </a:xfrm>
           <a:prstGeom prst="rect">
             <a:avLst/>
@@ -1290,18 +1218,16 @@
         <p:txBody>
           <a:bodyPr lIns="0" rIns="0" tIns="0" bIns="0" anchor="ctr"/>
           <a:p>
-            <a:endParaRPr b="0" lang="en-GB" sz="1400" spc="-1" strike="noStrike">
-              <a:solidFill>
-                <a:srgbClr val="000000"/>
-              </a:solidFill>
-              <a:latin typeface="Arial"/>
-            </a:endParaRPr>
-          </a:p>
-        </p:txBody>
-      </p:sp>
-      <p:sp>
-        <p:nvSpPr>
-          <p:cNvPr id="56" name="PlaceHolder 2"/>
+            <a:pPr algn="ctr"/>
+            <a:endParaRPr b="0" lang="en-GB" sz="4400" spc="-1" strike="noStrike">
+              <a:latin typeface="Arial"/>
+            </a:endParaRPr>
+          </a:p>
+        </p:txBody>
+      </p:sp>
+      <p:sp>
+        <p:nvSpPr>
+          <p:cNvPr id="54" name="PlaceHolder 2"/>
           <p:cNvSpPr>
             <a:spLocks noGrp="1"/>
           </p:cNvSpPr>
@@ -1312,7 +1238,7 @@
         <p:spPr>
           <a:xfrm>
             <a:off x="311760" y="1152360"/>
-            <a:ext cx="4157640" cy="3416040"/>
+            <a:ext cx="4157280" cy="3415680"/>
           </a:xfrm>
           <a:prstGeom prst="rect">
             <a:avLst/>
@@ -1323,18 +1249,15 @@
             <a:normAutofit/>
           </a:bodyPr>
           <a:p>
-            <a:endParaRPr b="0" lang="en-GB" sz="1400" spc="-1" strike="noStrike">
-              <a:solidFill>
-                <a:srgbClr val="000000"/>
-              </a:solidFill>
-              <a:latin typeface="Arial"/>
-            </a:endParaRPr>
-          </a:p>
-        </p:txBody>
-      </p:sp>
-      <p:sp>
-        <p:nvSpPr>
-          <p:cNvPr id="57" name="PlaceHolder 3"/>
+            <a:endParaRPr b="0" lang="en-GB" sz="3200" spc="-1" strike="noStrike">
+              <a:latin typeface="Arial"/>
+            </a:endParaRPr>
+          </a:p>
+        </p:txBody>
+      </p:sp>
+      <p:sp>
+        <p:nvSpPr>
+          <p:cNvPr id="55" name="PlaceHolder 3"/>
           <p:cNvSpPr>
             <a:spLocks noGrp="1"/>
           </p:cNvSpPr>
@@ -1344,8 +1267,8 @@
         </p:nvSpPr>
         <p:spPr>
           <a:xfrm>
-            <a:off x="4677840" y="1152360"/>
-            <a:ext cx="4157640" cy="1629360"/>
+            <a:off x="4677120" y="1152360"/>
+            <a:ext cx="4157280" cy="1629000"/>
           </a:xfrm>
           <a:prstGeom prst="rect">
             <a:avLst/>
@@ -1356,18 +1279,15 @@
             <a:normAutofit/>
           </a:bodyPr>
           <a:p>
-            <a:endParaRPr b="0" lang="en-GB" sz="1400" spc="-1" strike="noStrike">
-              <a:solidFill>
-                <a:srgbClr val="000000"/>
-              </a:solidFill>
-              <a:latin typeface="Arial"/>
-            </a:endParaRPr>
-          </a:p>
-        </p:txBody>
-      </p:sp>
-      <p:sp>
-        <p:nvSpPr>
-          <p:cNvPr id="58" name="PlaceHolder 4"/>
+            <a:endParaRPr b="0" lang="en-GB" sz="3200" spc="-1" strike="noStrike">
+              <a:latin typeface="Arial"/>
+            </a:endParaRPr>
+          </a:p>
+        </p:txBody>
+      </p:sp>
+      <p:sp>
+        <p:nvSpPr>
+          <p:cNvPr id="56" name="PlaceHolder 4"/>
           <p:cNvSpPr>
             <a:spLocks noGrp="1"/>
           </p:cNvSpPr>
@@ -1377,8 +1297,8 @@
         </p:nvSpPr>
         <p:spPr>
           <a:xfrm>
-            <a:off x="4677840" y="2936880"/>
-            <a:ext cx="4157640" cy="1629360"/>
+            <a:off x="4677120" y="2936520"/>
+            <a:ext cx="4157280" cy="1629000"/>
           </a:xfrm>
           <a:prstGeom prst="rect">
             <a:avLst/>
@@ -1389,10 +1309,7 @@
             <a:normAutofit/>
           </a:bodyPr>
           <a:p>
-            <a:endParaRPr b="0" lang="en-GB" sz="1400" spc="-1" strike="noStrike">
-              <a:solidFill>
-                <a:srgbClr val="000000"/>
-              </a:solidFill>
+            <a:endParaRPr b="0" lang="en-GB" sz="3200" spc="-1" strike="noStrike">
               <a:latin typeface="Arial"/>
             </a:endParaRPr>
           </a:p>
@@ -1422,7 +1339,7 @@
       </p:grpSpPr>
       <p:sp>
         <p:nvSpPr>
-          <p:cNvPr id="59" name="PlaceHolder 1"/>
+          <p:cNvPr id="57" name="PlaceHolder 1"/>
           <p:cNvSpPr>
             <a:spLocks noGrp="1"/>
           </p:cNvSpPr>
@@ -1432,8 +1349,8 @@
         </p:nvSpPr>
         <p:spPr>
           <a:xfrm>
-            <a:off x="311760" y="444960"/>
-            <a:ext cx="8520120" cy="572400"/>
+            <a:off x="311760" y="418320"/>
+            <a:ext cx="8519760" cy="625320"/>
           </a:xfrm>
           <a:prstGeom prst="rect">
             <a:avLst/>
@@ -1442,18 +1359,16 @@
         <p:txBody>
           <a:bodyPr lIns="0" rIns="0" tIns="0" bIns="0" anchor="ctr"/>
           <a:p>
-            <a:endParaRPr b="0" lang="en-GB" sz="1400" spc="-1" strike="noStrike">
-              <a:solidFill>
-                <a:srgbClr val="000000"/>
-              </a:solidFill>
-              <a:latin typeface="Arial"/>
-            </a:endParaRPr>
-          </a:p>
-        </p:txBody>
-      </p:sp>
-      <p:sp>
-        <p:nvSpPr>
-          <p:cNvPr id="60" name="PlaceHolder 2"/>
+            <a:pPr algn="ctr"/>
+            <a:endParaRPr b="0" lang="en-GB" sz="4400" spc="-1" strike="noStrike">
+              <a:latin typeface="Arial"/>
+            </a:endParaRPr>
+          </a:p>
+        </p:txBody>
+      </p:sp>
+      <p:sp>
+        <p:nvSpPr>
+          <p:cNvPr id="58" name="PlaceHolder 2"/>
           <p:cNvSpPr>
             <a:spLocks noGrp="1"/>
           </p:cNvSpPr>
@@ -1464,7 +1379,7 @@
         <p:spPr>
           <a:xfrm>
             <a:off x="311760" y="1152360"/>
-            <a:ext cx="4157640" cy="1629360"/>
+            <a:ext cx="4157280" cy="1629000"/>
           </a:xfrm>
           <a:prstGeom prst="rect">
             <a:avLst/>
@@ -1475,18 +1390,15 @@
             <a:normAutofit/>
           </a:bodyPr>
           <a:p>
-            <a:endParaRPr b="0" lang="en-GB" sz="1400" spc="-1" strike="noStrike">
-              <a:solidFill>
-                <a:srgbClr val="000000"/>
-              </a:solidFill>
-              <a:latin typeface="Arial"/>
-            </a:endParaRPr>
-          </a:p>
-        </p:txBody>
-      </p:sp>
-      <p:sp>
-        <p:nvSpPr>
-          <p:cNvPr id="61" name="PlaceHolder 3"/>
+            <a:endParaRPr b="0" lang="en-GB" sz="3200" spc="-1" strike="noStrike">
+              <a:latin typeface="Arial"/>
+            </a:endParaRPr>
+          </a:p>
+        </p:txBody>
+      </p:sp>
+      <p:sp>
+        <p:nvSpPr>
+          <p:cNvPr id="59" name="PlaceHolder 3"/>
           <p:cNvSpPr>
             <a:spLocks noGrp="1"/>
           </p:cNvSpPr>
@@ -1496,8 +1408,8 @@
         </p:nvSpPr>
         <p:spPr>
           <a:xfrm>
-            <a:off x="4677840" y="1152360"/>
-            <a:ext cx="4157640" cy="1629360"/>
+            <a:off x="4677120" y="1152360"/>
+            <a:ext cx="4157280" cy="1629000"/>
           </a:xfrm>
           <a:prstGeom prst="rect">
             <a:avLst/>
@@ -1508,18 +1420,15 @@
             <a:normAutofit/>
           </a:bodyPr>
           <a:p>
-            <a:endParaRPr b="0" lang="en-GB" sz="1400" spc="-1" strike="noStrike">
-              <a:solidFill>
-                <a:srgbClr val="000000"/>
-              </a:solidFill>
-              <a:latin typeface="Arial"/>
-            </a:endParaRPr>
-          </a:p>
-        </p:txBody>
-      </p:sp>
-      <p:sp>
-        <p:nvSpPr>
-          <p:cNvPr id="62" name="PlaceHolder 4"/>
+            <a:endParaRPr b="0" lang="en-GB" sz="3200" spc="-1" strike="noStrike">
+              <a:latin typeface="Arial"/>
+            </a:endParaRPr>
+          </a:p>
+        </p:txBody>
+      </p:sp>
+      <p:sp>
+        <p:nvSpPr>
+          <p:cNvPr id="60" name="PlaceHolder 4"/>
           <p:cNvSpPr>
             <a:spLocks noGrp="1"/>
           </p:cNvSpPr>
@@ -1529,8 +1438,8 @@
         </p:nvSpPr>
         <p:spPr>
           <a:xfrm>
-            <a:off x="311760" y="2936880"/>
-            <a:ext cx="8520120" cy="1629360"/>
+            <a:off x="311760" y="2936520"/>
+            <a:ext cx="8519760" cy="1629000"/>
           </a:xfrm>
           <a:prstGeom prst="rect">
             <a:avLst/>
@@ -1541,10 +1450,7 @@
             <a:normAutofit/>
           </a:bodyPr>
           <a:p>
-            <a:endParaRPr b="0" lang="en-GB" sz="1400" spc="-1" strike="noStrike">
-              <a:solidFill>
-                <a:srgbClr val="000000"/>
-              </a:solidFill>
+            <a:endParaRPr b="0" lang="en-GB" sz="3200" spc="-1" strike="noStrike">
               <a:latin typeface="Arial"/>
             </a:endParaRPr>
           </a:p>
@@ -1574,7 +1480,7 @@
       </p:grpSpPr>
       <p:sp>
         <p:nvSpPr>
-          <p:cNvPr id="63" name="PlaceHolder 1"/>
+          <p:cNvPr id="61" name="PlaceHolder 1"/>
           <p:cNvSpPr>
             <a:spLocks noGrp="1"/>
           </p:cNvSpPr>
@@ -1584,8 +1490,8 @@
         </p:nvSpPr>
         <p:spPr>
           <a:xfrm>
-            <a:off x="311760" y="444960"/>
-            <a:ext cx="8520120" cy="572400"/>
+            <a:off x="311760" y="418320"/>
+            <a:ext cx="8519760" cy="625320"/>
           </a:xfrm>
           <a:prstGeom prst="rect">
             <a:avLst/>
@@ -1594,18 +1500,16 @@
         <p:txBody>
           <a:bodyPr lIns="0" rIns="0" tIns="0" bIns="0" anchor="ctr"/>
           <a:p>
-            <a:endParaRPr b="0" lang="en-GB" sz="1400" spc="-1" strike="noStrike">
-              <a:solidFill>
-                <a:srgbClr val="000000"/>
-              </a:solidFill>
-              <a:latin typeface="Arial"/>
-            </a:endParaRPr>
-          </a:p>
-        </p:txBody>
-      </p:sp>
-      <p:sp>
-        <p:nvSpPr>
-          <p:cNvPr id="64" name="PlaceHolder 2"/>
+            <a:pPr algn="ctr"/>
+            <a:endParaRPr b="0" lang="en-GB" sz="4400" spc="-1" strike="noStrike">
+              <a:latin typeface="Arial"/>
+            </a:endParaRPr>
+          </a:p>
+        </p:txBody>
+      </p:sp>
+      <p:sp>
+        <p:nvSpPr>
+          <p:cNvPr id="62" name="PlaceHolder 2"/>
           <p:cNvSpPr>
             <a:spLocks noGrp="1"/>
           </p:cNvSpPr>
@@ -1616,7 +1520,7 @@
         <p:spPr>
           <a:xfrm>
             <a:off x="311760" y="1152360"/>
-            <a:ext cx="8520120" cy="1629360"/>
+            <a:ext cx="8519760" cy="1629000"/>
           </a:xfrm>
           <a:prstGeom prst="rect">
             <a:avLst/>
@@ -1627,18 +1531,15 @@
             <a:normAutofit/>
           </a:bodyPr>
           <a:p>
-            <a:endParaRPr b="0" lang="en-GB" sz="1400" spc="-1" strike="noStrike">
-              <a:solidFill>
-                <a:srgbClr val="000000"/>
-              </a:solidFill>
-              <a:latin typeface="Arial"/>
-            </a:endParaRPr>
-          </a:p>
-        </p:txBody>
-      </p:sp>
-      <p:sp>
-        <p:nvSpPr>
-          <p:cNvPr id="65" name="PlaceHolder 3"/>
+            <a:endParaRPr b="0" lang="en-GB" sz="3200" spc="-1" strike="noStrike">
+              <a:latin typeface="Arial"/>
+            </a:endParaRPr>
+          </a:p>
+        </p:txBody>
+      </p:sp>
+      <p:sp>
+        <p:nvSpPr>
+          <p:cNvPr id="63" name="PlaceHolder 3"/>
           <p:cNvSpPr>
             <a:spLocks noGrp="1"/>
           </p:cNvSpPr>
@@ -1648,8 +1549,8 @@
         </p:nvSpPr>
         <p:spPr>
           <a:xfrm>
-            <a:off x="311760" y="2936880"/>
-            <a:ext cx="8520120" cy="1629360"/>
+            <a:off x="311760" y="2936520"/>
+            <a:ext cx="8519760" cy="1629000"/>
           </a:xfrm>
           <a:prstGeom prst="rect">
             <a:avLst/>
@@ -1660,10 +1561,7 @@
             <a:normAutofit/>
           </a:bodyPr>
           <a:p>
-            <a:endParaRPr b="0" lang="en-GB" sz="1400" spc="-1" strike="noStrike">
-              <a:solidFill>
-                <a:srgbClr val="000000"/>
-              </a:solidFill>
+            <a:endParaRPr b="0" lang="en-GB" sz="3200" spc="-1" strike="noStrike">
               <a:latin typeface="Arial"/>
             </a:endParaRPr>
           </a:p>
@@ -1693,7 +1591,7 @@
       </p:grpSpPr>
       <p:sp>
         <p:nvSpPr>
-          <p:cNvPr id="66" name="PlaceHolder 1"/>
+          <p:cNvPr id="64" name="PlaceHolder 1"/>
           <p:cNvSpPr>
             <a:spLocks noGrp="1"/>
           </p:cNvSpPr>
@@ -1703,8 +1601,8 @@
         </p:nvSpPr>
         <p:spPr>
           <a:xfrm>
-            <a:off x="311760" y="444960"/>
-            <a:ext cx="8520120" cy="572400"/>
+            <a:off x="311760" y="418320"/>
+            <a:ext cx="8519760" cy="625320"/>
           </a:xfrm>
           <a:prstGeom prst="rect">
             <a:avLst/>
@@ -1713,18 +1611,16 @@
         <p:txBody>
           <a:bodyPr lIns="0" rIns="0" tIns="0" bIns="0" anchor="ctr"/>
           <a:p>
-            <a:endParaRPr b="0" lang="en-GB" sz="1400" spc="-1" strike="noStrike">
-              <a:solidFill>
-                <a:srgbClr val="000000"/>
-              </a:solidFill>
-              <a:latin typeface="Arial"/>
-            </a:endParaRPr>
-          </a:p>
-        </p:txBody>
-      </p:sp>
-      <p:sp>
-        <p:nvSpPr>
-          <p:cNvPr id="67" name="PlaceHolder 2"/>
+            <a:pPr algn="ctr"/>
+            <a:endParaRPr b="0" lang="en-GB" sz="4400" spc="-1" strike="noStrike">
+              <a:latin typeface="Arial"/>
+            </a:endParaRPr>
+          </a:p>
+        </p:txBody>
+      </p:sp>
+      <p:sp>
+        <p:nvSpPr>
+          <p:cNvPr id="65" name="PlaceHolder 2"/>
           <p:cNvSpPr>
             <a:spLocks noGrp="1"/>
           </p:cNvSpPr>
@@ -1735,7 +1631,7 @@
         <p:spPr>
           <a:xfrm>
             <a:off x="311760" y="1152360"/>
-            <a:ext cx="4157640" cy="1629360"/>
+            <a:ext cx="4157280" cy="1629000"/>
           </a:xfrm>
           <a:prstGeom prst="rect">
             <a:avLst/>
@@ -1746,18 +1642,15 @@
             <a:normAutofit/>
           </a:bodyPr>
           <a:p>
-            <a:endParaRPr b="0" lang="en-GB" sz="1400" spc="-1" strike="noStrike">
-              <a:solidFill>
-                <a:srgbClr val="000000"/>
-              </a:solidFill>
-              <a:latin typeface="Arial"/>
-            </a:endParaRPr>
-          </a:p>
-        </p:txBody>
-      </p:sp>
-      <p:sp>
-        <p:nvSpPr>
-          <p:cNvPr id="68" name="PlaceHolder 3"/>
+            <a:endParaRPr b="0" lang="en-GB" sz="3200" spc="-1" strike="noStrike">
+              <a:latin typeface="Arial"/>
+            </a:endParaRPr>
+          </a:p>
+        </p:txBody>
+      </p:sp>
+      <p:sp>
+        <p:nvSpPr>
+          <p:cNvPr id="66" name="PlaceHolder 3"/>
           <p:cNvSpPr>
             <a:spLocks noGrp="1"/>
           </p:cNvSpPr>
@@ -1767,8 +1660,8 @@
         </p:nvSpPr>
         <p:spPr>
           <a:xfrm>
-            <a:off x="4677840" y="1152360"/>
-            <a:ext cx="4157640" cy="1629360"/>
+            <a:off x="4677120" y="1152360"/>
+            <a:ext cx="4157280" cy="1629000"/>
           </a:xfrm>
           <a:prstGeom prst="rect">
             <a:avLst/>
@@ -1779,18 +1672,15 @@
             <a:normAutofit/>
           </a:bodyPr>
           <a:p>
-            <a:endParaRPr b="0" lang="en-GB" sz="1400" spc="-1" strike="noStrike">
-              <a:solidFill>
-                <a:srgbClr val="000000"/>
-              </a:solidFill>
-              <a:latin typeface="Arial"/>
-            </a:endParaRPr>
-          </a:p>
-        </p:txBody>
-      </p:sp>
-      <p:sp>
-        <p:nvSpPr>
-          <p:cNvPr id="69" name="PlaceHolder 4"/>
+            <a:endParaRPr b="0" lang="en-GB" sz="3200" spc="-1" strike="noStrike">
+              <a:latin typeface="Arial"/>
+            </a:endParaRPr>
+          </a:p>
+        </p:txBody>
+      </p:sp>
+      <p:sp>
+        <p:nvSpPr>
+          <p:cNvPr id="67" name="PlaceHolder 4"/>
           <p:cNvSpPr>
             <a:spLocks noGrp="1"/>
           </p:cNvSpPr>
@@ -1800,8 +1690,8 @@
         </p:nvSpPr>
         <p:spPr>
           <a:xfrm>
-            <a:off x="311760" y="2936880"/>
-            <a:ext cx="4157640" cy="1629360"/>
+            <a:off x="311760" y="2936520"/>
+            <a:ext cx="4157280" cy="1629000"/>
           </a:xfrm>
           <a:prstGeom prst="rect">
             <a:avLst/>
@@ -1812,18 +1702,15 @@
             <a:normAutofit/>
           </a:bodyPr>
           <a:p>
-            <a:endParaRPr b="0" lang="en-GB" sz="1400" spc="-1" strike="noStrike">
-              <a:solidFill>
-                <a:srgbClr val="000000"/>
-              </a:solidFill>
-              <a:latin typeface="Arial"/>
-            </a:endParaRPr>
-          </a:p>
-        </p:txBody>
-      </p:sp>
-      <p:sp>
-        <p:nvSpPr>
-          <p:cNvPr id="70" name="PlaceHolder 5"/>
+            <a:endParaRPr b="0" lang="en-GB" sz="3200" spc="-1" strike="noStrike">
+              <a:latin typeface="Arial"/>
+            </a:endParaRPr>
+          </a:p>
+        </p:txBody>
+      </p:sp>
+      <p:sp>
+        <p:nvSpPr>
+          <p:cNvPr id="68" name="PlaceHolder 5"/>
           <p:cNvSpPr>
             <a:spLocks noGrp="1"/>
           </p:cNvSpPr>
@@ -1833,8 +1720,8 @@
         </p:nvSpPr>
         <p:spPr>
           <a:xfrm>
-            <a:off x="4677840" y="2936880"/>
-            <a:ext cx="4157640" cy="1629360"/>
+            <a:off x="4677120" y="2936520"/>
+            <a:ext cx="4157280" cy="1629000"/>
           </a:xfrm>
           <a:prstGeom prst="rect">
             <a:avLst/>
@@ -1845,10 +1732,7 @@
             <a:normAutofit/>
           </a:bodyPr>
           <a:p>
-            <a:endParaRPr b="0" lang="en-GB" sz="1400" spc="-1" strike="noStrike">
-              <a:solidFill>
-                <a:srgbClr val="000000"/>
-              </a:solidFill>
+            <a:endParaRPr b="0" lang="en-GB" sz="3200" spc="-1" strike="noStrike">
               <a:latin typeface="Arial"/>
             </a:endParaRPr>
           </a:p>
@@ -1878,7 +1762,7 @@
       </p:grpSpPr>
       <p:sp>
         <p:nvSpPr>
-          <p:cNvPr id="71" name="PlaceHolder 1"/>
+          <p:cNvPr id="69" name="PlaceHolder 1"/>
           <p:cNvSpPr>
             <a:spLocks noGrp="1"/>
           </p:cNvSpPr>
@@ -1888,8 +1772,8 @@
         </p:nvSpPr>
         <p:spPr>
           <a:xfrm>
-            <a:off x="311760" y="444960"/>
-            <a:ext cx="8520120" cy="572400"/>
+            <a:off x="311760" y="418320"/>
+            <a:ext cx="8519760" cy="625320"/>
           </a:xfrm>
           <a:prstGeom prst="rect">
             <a:avLst/>
@@ -1898,18 +1782,16 @@
         <p:txBody>
           <a:bodyPr lIns="0" rIns="0" tIns="0" bIns="0" anchor="ctr"/>
           <a:p>
-            <a:endParaRPr b="0" lang="en-GB" sz="1400" spc="-1" strike="noStrike">
-              <a:solidFill>
-                <a:srgbClr val="000000"/>
-              </a:solidFill>
-              <a:latin typeface="Arial"/>
-            </a:endParaRPr>
-          </a:p>
-        </p:txBody>
-      </p:sp>
-      <p:sp>
-        <p:nvSpPr>
-          <p:cNvPr id="72" name="PlaceHolder 2"/>
+            <a:pPr algn="ctr"/>
+            <a:endParaRPr b="0" lang="en-GB" sz="4400" spc="-1" strike="noStrike">
+              <a:latin typeface="Arial"/>
+            </a:endParaRPr>
+          </a:p>
+        </p:txBody>
+      </p:sp>
+      <p:sp>
+        <p:nvSpPr>
+          <p:cNvPr id="70" name="PlaceHolder 2"/>
           <p:cNvSpPr>
             <a:spLocks noGrp="1"/>
           </p:cNvSpPr>
@@ -1920,7 +1802,7 @@
         <p:spPr>
           <a:xfrm>
             <a:off x="311760" y="1152360"/>
-            <a:ext cx="2743200" cy="1629360"/>
+            <a:ext cx="2743200" cy="1629000"/>
           </a:xfrm>
           <a:prstGeom prst="rect">
             <a:avLst/>
@@ -1931,18 +1813,15 @@
             <a:normAutofit/>
           </a:bodyPr>
           <a:p>
-            <a:endParaRPr b="0" lang="en-GB" sz="1400" spc="-1" strike="noStrike">
-              <a:solidFill>
-                <a:srgbClr val="000000"/>
-              </a:solidFill>
-              <a:latin typeface="Arial"/>
-            </a:endParaRPr>
-          </a:p>
-        </p:txBody>
-      </p:sp>
-      <p:sp>
-        <p:nvSpPr>
-          <p:cNvPr id="73" name="PlaceHolder 3"/>
+            <a:endParaRPr b="0" lang="en-GB" sz="3200" spc="-1" strike="noStrike">
+              <a:latin typeface="Arial"/>
+            </a:endParaRPr>
+          </a:p>
+        </p:txBody>
+      </p:sp>
+      <p:sp>
+        <p:nvSpPr>
+          <p:cNvPr id="71" name="PlaceHolder 3"/>
           <p:cNvSpPr>
             <a:spLocks noGrp="1"/>
           </p:cNvSpPr>
@@ -1953,7 +1832,7 @@
         <p:spPr>
           <a:xfrm>
             <a:off x="3192480" y="1152360"/>
-            <a:ext cx="2743200" cy="1629360"/>
+            <a:ext cx="2743200" cy="1629000"/>
           </a:xfrm>
           <a:prstGeom prst="rect">
             <a:avLst/>
@@ -1964,18 +1843,15 @@
             <a:normAutofit/>
           </a:bodyPr>
           <a:p>
-            <a:endParaRPr b="0" lang="en-GB" sz="1400" spc="-1" strike="noStrike">
-              <a:solidFill>
-                <a:srgbClr val="000000"/>
-              </a:solidFill>
-              <a:latin typeface="Arial"/>
-            </a:endParaRPr>
-          </a:p>
-        </p:txBody>
-      </p:sp>
-      <p:sp>
-        <p:nvSpPr>
-          <p:cNvPr id="74" name="PlaceHolder 4"/>
+            <a:endParaRPr b="0" lang="en-GB" sz="3200" spc="-1" strike="noStrike">
+              <a:latin typeface="Arial"/>
+            </a:endParaRPr>
+          </a:p>
+        </p:txBody>
+      </p:sp>
+      <p:sp>
+        <p:nvSpPr>
+          <p:cNvPr id="72" name="PlaceHolder 4"/>
           <p:cNvSpPr>
             <a:spLocks noGrp="1"/>
           </p:cNvSpPr>
@@ -1986,7 +1862,7 @@
         <p:spPr>
           <a:xfrm>
             <a:off x="6073200" y="1152360"/>
-            <a:ext cx="2743200" cy="1629360"/>
+            <a:ext cx="2743200" cy="1629000"/>
           </a:xfrm>
           <a:prstGeom prst="rect">
             <a:avLst/>
@@ -1997,18 +1873,15 @@
             <a:normAutofit/>
           </a:bodyPr>
           <a:p>
-            <a:endParaRPr b="0" lang="en-GB" sz="1400" spc="-1" strike="noStrike">
-              <a:solidFill>
-                <a:srgbClr val="000000"/>
-              </a:solidFill>
-              <a:latin typeface="Arial"/>
-            </a:endParaRPr>
-          </a:p>
-        </p:txBody>
-      </p:sp>
-      <p:sp>
-        <p:nvSpPr>
-          <p:cNvPr id="75" name="PlaceHolder 5"/>
+            <a:endParaRPr b="0" lang="en-GB" sz="3200" spc="-1" strike="noStrike">
+              <a:latin typeface="Arial"/>
+            </a:endParaRPr>
+          </a:p>
+        </p:txBody>
+      </p:sp>
+      <p:sp>
+        <p:nvSpPr>
+          <p:cNvPr id="73" name="PlaceHolder 5"/>
           <p:cNvSpPr>
             <a:spLocks noGrp="1"/>
           </p:cNvSpPr>
@@ -2018,8 +1891,8 @@
         </p:nvSpPr>
         <p:spPr>
           <a:xfrm>
-            <a:off x="311760" y="2936880"/>
-            <a:ext cx="2743200" cy="1629360"/>
+            <a:off x="311760" y="2936520"/>
+            <a:ext cx="2743200" cy="1629000"/>
           </a:xfrm>
           <a:prstGeom prst="rect">
             <a:avLst/>
@@ -2030,18 +1903,15 @@
             <a:normAutofit/>
           </a:bodyPr>
           <a:p>
-            <a:endParaRPr b="0" lang="en-GB" sz="1400" spc="-1" strike="noStrike">
-              <a:solidFill>
-                <a:srgbClr val="000000"/>
-              </a:solidFill>
-              <a:latin typeface="Arial"/>
-            </a:endParaRPr>
-          </a:p>
-        </p:txBody>
-      </p:sp>
-      <p:sp>
-        <p:nvSpPr>
-          <p:cNvPr id="76" name="PlaceHolder 6"/>
+            <a:endParaRPr b="0" lang="en-GB" sz="3200" spc="-1" strike="noStrike">
+              <a:latin typeface="Arial"/>
+            </a:endParaRPr>
+          </a:p>
+        </p:txBody>
+      </p:sp>
+      <p:sp>
+        <p:nvSpPr>
+          <p:cNvPr id="74" name="PlaceHolder 6"/>
           <p:cNvSpPr>
             <a:spLocks noGrp="1"/>
           </p:cNvSpPr>
@@ -2051,8 +1921,8 @@
         </p:nvSpPr>
         <p:spPr>
           <a:xfrm>
-            <a:off x="3192480" y="2936880"/>
-            <a:ext cx="2743200" cy="1629360"/>
+            <a:off x="3192480" y="2936520"/>
+            <a:ext cx="2743200" cy="1629000"/>
           </a:xfrm>
           <a:prstGeom prst="rect">
             <a:avLst/>
@@ -2063,18 +1933,15 @@
             <a:normAutofit/>
           </a:bodyPr>
           <a:p>
-            <a:endParaRPr b="0" lang="en-GB" sz="1400" spc="-1" strike="noStrike">
-              <a:solidFill>
-                <a:srgbClr val="000000"/>
-              </a:solidFill>
-              <a:latin typeface="Arial"/>
-            </a:endParaRPr>
-          </a:p>
-        </p:txBody>
-      </p:sp>
-      <p:sp>
-        <p:nvSpPr>
-          <p:cNvPr id="77" name="PlaceHolder 7"/>
+            <a:endParaRPr b="0" lang="en-GB" sz="3200" spc="-1" strike="noStrike">
+              <a:latin typeface="Arial"/>
+            </a:endParaRPr>
+          </a:p>
+        </p:txBody>
+      </p:sp>
+      <p:sp>
+        <p:nvSpPr>
+          <p:cNvPr id="75" name="PlaceHolder 7"/>
           <p:cNvSpPr>
             <a:spLocks noGrp="1"/>
           </p:cNvSpPr>
@@ -2084,8 +1951,8 @@
         </p:nvSpPr>
         <p:spPr>
           <a:xfrm>
-            <a:off x="6073200" y="2936880"/>
-            <a:ext cx="2743200" cy="1629360"/>
+            <a:off x="6073200" y="2936520"/>
+            <a:ext cx="2743200" cy="1629000"/>
           </a:xfrm>
           <a:prstGeom prst="rect">
             <a:avLst/>
@@ -2096,10 +1963,7 @@
             <a:normAutofit/>
           </a:bodyPr>
           <a:p>
-            <a:endParaRPr b="0" lang="en-GB" sz="1400" spc="-1" strike="noStrike">
-              <a:solidFill>
-                <a:srgbClr val="000000"/>
-              </a:solidFill>
+            <a:endParaRPr b="0" lang="en-GB" sz="3200" spc="-1" strike="noStrike">
               <a:latin typeface="Arial"/>
             </a:endParaRPr>
           </a:p>
@@ -2129,7 +1993,7 @@
       </p:grpSpPr>
       <p:sp>
         <p:nvSpPr>
-          <p:cNvPr id="5" name="PlaceHolder 1"/>
+          <p:cNvPr id="4" name="PlaceHolder 1"/>
           <p:cNvSpPr>
             <a:spLocks noGrp="1"/>
           </p:cNvSpPr>
@@ -2139,8 +2003,8 @@
         </p:nvSpPr>
         <p:spPr>
           <a:xfrm>
-            <a:off x="311760" y="444960"/>
-            <a:ext cx="8520120" cy="572400"/>
+            <a:off x="311760" y="418320"/>
+            <a:ext cx="8519760" cy="625320"/>
           </a:xfrm>
           <a:prstGeom prst="rect">
             <a:avLst/>
@@ -2149,18 +2013,16 @@
         <p:txBody>
           <a:bodyPr lIns="0" rIns="0" tIns="0" bIns="0" anchor="ctr"/>
           <a:p>
-            <a:endParaRPr b="0" lang="en-GB" sz="1400" spc="-1" strike="noStrike">
-              <a:solidFill>
-                <a:srgbClr val="000000"/>
-              </a:solidFill>
-              <a:latin typeface="Arial"/>
-            </a:endParaRPr>
-          </a:p>
-        </p:txBody>
-      </p:sp>
-      <p:sp>
-        <p:nvSpPr>
-          <p:cNvPr id="6" name="PlaceHolder 2"/>
+            <a:pPr algn="ctr"/>
+            <a:endParaRPr b="0" lang="en-GB" sz="4400" spc="-1" strike="noStrike">
+              <a:latin typeface="Arial"/>
+            </a:endParaRPr>
+          </a:p>
+        </p:txBody>
+      </p:sp>
+      <p:sp>
+        <p:nvSpPr>
+          <p:cNvPr id="5" name="PlaceHolder 2"/>
           <p:cNvSpPr>
             <a:spLocks noGrp="1"/>
           </p:cNvSpPr>
@@ -2171,7 +2033,7 @@
         <p:spPr>
           <a:xfrm>
             <a:off x="311760" y="1152360"/>
-            <a:ext cx="8520120" cy="3416040"/>
+            <a:ext cx="8519760" cy="3415680"/>
           </a:xfrm>
           <a:prstGeom prst="rect">
             <a:avLst/>
@@ -2182,10 +2044,7 @@
             <a:normAutofit/>
           </a:bodyPr>
           <a:p>
-            <a:endParaRPr b="0" lang="en-GB" sz="1400" spc="-1" strike="noStrike">
-              <a:solidFill>
-                <a:srgbClr val="000000"/>
-              </a:solidFill>
+            <a:endParaRPr b="0" lang="en-GB" sz="3200" spc="-1" strike="noStrike">
               <a:latin typeface="Arial"/>
             </a:endParaRPr>
           </a:p>
@@ -2215,7 +2074,7 @@
       </p:grpSpPr>
       <p:sp>
         <p:nvSpPr>
-          <p:cNvPr id="7" name="PlaceHolder 1"/>
+          <p:cNvPr id="6" name="PlaceHolder 1"/>
           <p:cNvSpPr>
             <a:spLocks noGrp="1"/>
           </p:cNvSpPr>
@@ -2225,8 +2084,8 @@
         </p:nvSpPr>
         <p:spPr>
           <a:xfrm>
-            <a:off x="311760" y="444960"/>
-            <a:ext cx="8520120" cy="572400"/>
+            <a:off x="311760" y="418320"/>
+            <a:ext cx="8519760" cy="625320"/>
           </a:xfrm>
           <a:prstGeom prst="rect">
             <a:avLst/>
@@ -2235,18 +2094,16 @@
         <p:txBody>
           <a:bodyPr lIns="0" rIns="0" tIns="0" bIns="0" anchor="ctr"/>
           <a:p>
-            <a:endParaRPr b="0" lang="en-GB" sz="1400" spc="-1" strike="noStrike">
-              <a:solidFill>
-                <a:srgbClr val="000000"/>
-              </a:solidFill>
-              <a:latin typeface="Arial"/>
-            </a:endParaRPr>
-          </a:p>
-        </p:txBody>
-      </p:sp>
-      <p:sp>
-        <p:nvSpPr>
-          <p:cNvPr id="8" name="PlaceHolder 2"/>
+            <a:pPr algn="ctr"/>
+            <a:endParaRPr b="0" lang="en-GB" sz="4400" spc="-1" strike="noStrike">
+              <a:latin typeface="Arial"/>
+            </a:endParaRPr>
+          </a:p>
+        </p:txBody>
+      </p:sp>
+      <p:sp>
+        <p:nvSpPr>
+          <p:cNvPr id="7" name="PlaceHolder 2"/>
           <p:cNvSpPr>
             <a:spLocks noGrp="1"/>
           </p:cNvSpPr>
@@ -2257,7 +2114,7 @@
         <p:spPr>
           <a:xfrm>
             <a:off x="311760" y="1152360"/>
-            <a:ext cx="4157640" cy="3416040"/>
+            <a:ext cx="4157280" cy="3415680"/>
           </a:xfrm>
           <a:prstGeom prst="rect">
             <a:avLst/>
@@ -2268,18 +2125,15 @@
             <a:normAutofit/>
           </a:bodyPr>
           <a:p>
-            <a:endParaRPr b="0" lang="en-GB" sz="1400" spc="-1" strike="noStrike">
-              <a:solidFill>
-                <a:srgbClr val="000000"/>
-              </a:solidFill>
-              <a:latin typeface="Arial"/>
-            </a:endParaRPr>
-          </a:p>
-        </p:txBody>
-      </p:sp>
-      <p:sp>
-        <p:nvSpPr>
-          <p:cNvPr id="9" name="PlaceHolder 3"/>
+            <a:endParaRPr b="0" lang="en-GB" sz="3200" spc="-1" strike="noStrike">
+              <a:latin typeface="Arial"/>
+            </a:endParaRPr>
+          </a:p>
+        </p:txBody>
+      </p:sp>
+      <p:sp>
+        <p:nvSpPr>
+          <p:cNvPr id="8" name="PlaceHolder 3"/>
           <p:cNvSpPr>
             <a:spLocks noGrp="1"/>
           </p:cNvSpPr>
@@ -2289,8 +2143,8 @@
         </p:nvSpPr>
         <p:spPr>
           <a:xfrm>
-            <a:off x="4677840" y="1152360"/>
-            <a:ext cx="4157640" cy="3416040"/>
+            <a:off x="4677120" y="1152360"/>
+            <a:ext cx="4157280" cy="3415680"/>
           </a:xfrm>
           <a:prstGeom prst="rect">
             <a:avLst/>
@@ -2301,10 +2155,7 @@
             <a:normAutofit/>
           </a:bodyPr>
           <a:p>
-            <a:endParaRPr b="0" lang="en-GB" sz="1400" spc="-1" strike="noStrike">
-              <a:solidFill>
-                <a:srgbClr val="000000"/>
-              </a:solidFill>
+            <a:endParaRPr b="0" lang="en-GB" sz="3200" spc="-1" strike="noStrike">
               <a:latin typeface="Arial"/>
             </a:endParaRPr>
           </a:p>
@@ -2334,7 +2185,7 @@
       </p:grpSpPr>
       <p:sp>
         <p:nvSpPr>
-          <p:cNvPr id="10" name="PlaceHolder 1"/>
+          <p:cNvPr id="9" name="PlaceHolder 1"/>
           <p:cNvSpPr>
             <a:spLocks noGrp="1"/>
           </p:cNvSpPr>
@@ -2344,8 +2195,8 @@
         </p:nvSpPr>
         <p:spPr>
           <a:xfrm>
-            <a:off x="311760" y="444960"/>
-            <a:ext cx="8520120" cy="572400"/>
+            <a:off x="311760" y="418320"/>
+            <a:ext cx="8519760" cy="625320"/>
           </a:xfrm>
           <a:prstGeom prst="rect">
             <a:avLst/>
@@ -2354,10 +2205,8 @@
         <p:txBody>
           <a:bodyPr lIns="0" rIns="0" tIns="0" bIns="0" anchor="ctr"/>
           <a:p>
-            <a:endParaRPr b="0" lang="en-GB" sz="1400" spc="-1" strike="noStrike">
-              <a:solidFill>
-                <a:srgbClr val="000000"/>
-              </a:solidFill>
+            <a:pPr algn="ctr"/>
+            <a:endParaRPr b="0" lang="en-GB" sz="4400" spc="-1" strike="noStrike">
               <a:latin typeface="Arial"/>
             </a:endParaRPr>
           </a:p>
@@ -2387,7 +2236,7 @@
       </p:grpSpPr>
       <p:sp>
         <p:nvSpPr>
-          <p:cNvPr id="11" name="PlaceHolder 1"/>
+          <p:cNvPr id="10" name="PlaceHolder 1"/>
           <p:cNvSpPr>
             <a:spLocks noGrp="1"/>
           </p:cNvSpPr>
@@ -2398,7 +2247,7 @@
         <p:spPr>
           <a:xfrm>
             <a:off x="311760" y="444960"/>
-            <a:ext cx="8520120" cy="2654640"/>
+            <a:ext cx="8519760" cy="2652840"/>
           </a:xfrm>
           <a:prstGeom prst="rect">
             <a:avLst/>
@@ -2438,7 +2287,7 @@
       </p:grpSpPr>
       <p:sp>
         <p:nvSpPr>
-          <p:cNvPr id="12" name="PlaceHolder 1"/>
+          <p:cNvPr id="11" name="PlaceHolder 1"/>
           <p:cNvSpPr>
             <a:spLocks noGrp="1"/>
           </p:cNvSpPr>
@@ -2448,8 +2297,8 @@
         </p:nvSpPr>
         <p:spPr>
           <a:xfrm>
-            <a:off x="311760" y="444960"/>
-            <a:ext cx="8520120" cy="572400"/>
+            <a:off x="311760" y="418320"/>
+            <a:ext cx="8519760" cy="625320"/>
           </a:xfrm>
           <a:prstGeom prst="rect">
             <a:avLst/>
@@ -2458,18 +2307,16 @@
         <p:txBody>
           <a:bodyPr lIns="0" rIns="0" tIns="0" bIns="0" anchor="ctr"/>
           <a:p>
-            <a:endParaRPr b="0" lang="en-GB" sz="1400" spc="-1" strike="noStrike">
-              <a:solidFill>
-                <a:srgbClr val="000000"/>
-              </a:solidFill>
-              <a:latin typeface="Arial"/>
-            </a:endParaRPr>
-          </a:p>
-        </p:txBody>
-      </p:sp>
-      <p:sp>
-        <p:nvSpPr>
-          <p:cNvPr id="13" name="PlaceHolder 2"/>
+            <a:pPr algn="ctr"/>
+            <a:endParaRPr b="0" lang="en-GB" sz="4400" spc="-1" strike="noStrike">
+              <a:latin typeface="Arial"/>
+            </a:endParaRPr>
+          </a:p>
+        </p:txBody>
+      </p:sp>
+      <p:sp>
+        <p:nvSpPr>
+          <p:cNvPr id="12" name="PlaceHolder 2"/>
           <p:cNvSpPr>
             <a:spLocks noGrp="1"/>
           </p:cNvSpPr>
@@ -2480,7 +2327,7 @@
         <p:spPr>
           <a:xfrm>
             <a:off x="311760" y="1152360"/>
-            <a:ext cx="4157640" cy="1629360"/>
+            <a:ext cx="4157280" cy="1629000"/>
           </a:xfrm>
           <a:prstGeom prst="rect">
             <a:avLst/>
@@ -2491,18 +2338,15 @@
             <a:normAutofit/>
           </a:bodyPr>
           <a:p>
-            <a:endParaRPr b="0" lang="en-GB" sz="1400" spc="-1" strike="noStrike">
-              <a:solidFill>
-                <a:srgbClr val="000000"/>
-              </a:solidFill>
-              <a:latin typeface="Arial"/>
-            </a:endParaRPr>
-          </a:p>
-        </p:txBody>
-      </p:sp>
-      <p:sp>
-        <p:nvSpPr>
-          <p:cNvPr id="14" name="PlaceHolder 3"/>
+            <a:endParaRPr b="0" lang="en-GB" sz="3200" spc="-1" strike="noStrike">
+              <a:latin typeface="Arial"/>
+            </a:endParaRPr>
+          </a:p>
+        </p:txBody>
+      </p:sp>
+      <p:sp>
+        <p:nvSpPr>
+          <p:cNvPr id="13" name="PlaceHolder 3"/>
           <p:cNvSpPr>
             <a:spLocks noGrp="1"/>
           </p:cNvSpPr>
@@ -2512,8 +2356,8 @@
         </p:nvSpPr>
         <p:spPr>
           <a:xfrm>
-            <a:off x="4677840" y="1152360"/>
-            <a:ext cx="4157640" cy="3416040"/>
+            <a:off x="4677120" y="1152360"/>
+            <a:ext cx="4157280" cy="3415680"/>
           </a:xfrm>
           <a:prstGeom prst="rect">
             <a:avLst/>
@@ -2524,18 +2368,15 @@
             <a:normAutofit/>
           </a:bodyPr>
           <a:p>
-            <a:endParaRPr b="0" lang="en-GB" sz="1400" spc="-1" strike="noStrike">
-              <a:solidFill>
-                <a:srgbClr val="000000"/>
-              </a:solidFill>
-              <a:latin typeface="Arial"/>
-            </a:endParaRPr>
-          </a:p>
-        </p:txBody>
-      </p:sp>
-      <p:sp>
-        <p:nvSpPr>
-          <p:cNvPr id="15" name="PlaceHolder 4"/>
+            <a:endParaRPr b="0" lang="en-GB" sz="3200" spc="-1" strike="noStrike">
+              <a:latin typeface="Arial"/>
+            </a:endParaRPr>
+          </a:p>
+        </p:txBody>
+      </p:sp>
+      <p:sp>
+        <p:nvSpPr>
+          <p:cNvPr id="14" name="PlaceHolder 4"/>
           <p:cNvSpPr>
             <a:spLocks noGrp="1"/>
           </p:cNvSpPr>
@@ -2545,8 +2386,8 @@
         </p:nvSpPr>
         <p:spPr>
           <a:xfrm>
-            <a:off x="311760" y="2936880"/>
-            <a:ext cx="4157640" cy="1629360"/>
+            <a:off x="311760" y="2936520"/>
+            <a:ext cx="4157280" cy="1629000"/>
           </a:xfrm>
           <a:prstGeom prst="rect">
             <a:avLst/>
@@ -2557,10 +2398,7 @@
             <a:normAutofit/>
           </a:bodyPr>
           <a:p>
-            <a:endParaRPr b="0" lang="en-GB" sz="1400" spc="-1" strike="noStrike">
-              <a:solidFill>
-                <a:srgbClr val="000000"/>
-              </a:solidFill>
+            <a:endParaRPr b="0" lang="en-GB" sz="3200" spc="-1" strike="noStrike">
               <a:latin typeface="Arial"/>
             </a:endParaRPr>
           </a:p>
@@ -2590,7 +2428,7 @@
       </p:grpSpPr>
       <p:sp>
         <p:nvSpPr>
-          <p:cNvPr id="16" name="PlaceHolder 1"/>
+          <p:cNvPr id="15" name="PlaceHolder 1"/>
           <p:cNvSpPr>
             <a:spLocks noGrp="1"/>
           </p:cNvSpPr>
@@ -2600,8 +2438,8 @@
         </p:nvSpPr>
         <p:spPr>
           <a:xfrm>
-            <a:off x="311760" y="444960"/>
-            <a:ext cx="8520120" cy="572400"/>
+            <a:off x="311760" y="418320"/>
+            <a:ext cx="8519760" cy="625320"/>
           </a:xfrm>
           <a:prstGeom prst="rect">
             <a:avLst/>
@@ -2610,18 +2448,16 @@
         <p:txBody>
           <a:bodyPr lIns="0" rIns="0" tIns="0" bIns="0" anchor="ctr"/>
           <a:p>
-            <a:endParaRPr b="0" lang="en-GB" sz="1400" spc="-1" strike="noStrike">
-              <a:solidFill>
-                <a:srgbClr val="000000"/>
-              </a:solidFill>
-              <a:latin typeface="Arial"/>
-            </a:endParaRPr>
-          </a:p>
-        </p:txBody>
-      </p:sp>
-      <p:sp>
-        <p:nvSpPr>
-          <p:cNvPr id="17" name="PlaceHolder 2"/>
+            <a:pPr algn="ctr"/>
+            <a:endParaRPr b="0" lang="en-GB" sz="4400" spc="-1" strike="noStrike">
+              <a:latin typeface="Arial"/>
+            </a:endParaRPr>
+          </a:p>
+        </p:txBody>
+      </p:sp>
+      <p:sp>
+        <p:nvSpPr>
+          <p:cNvPr id="16" name="PlaceHolder 2"/>
           <p:cNvSpPr>
             <a:spLocks noGrp="1"/>
           </p:cNvSpPr>
@@ -2632,7 +2468,7 @@
         <p:spPr>
           <a:xfrm>
             <a:off x="311760" y="1152360"/>
-            <a:ext cx="4157640" cy="3416040"/>
+            <a:ext cx="4157280" cy="3415680"/>
           </a:xfrm>
           <a:prstGeom prst="rect">
             <a:avLst/>
@@ -2643,18 +2479,15 @@
             <a:normAutofit/>
           </a:bodyPr>
           <a:p>
-            <a:endParaRPr b="0" lang="en-GB" sz="1400" spc="-1" strike="noStrike">
-              <a:solidFill>
-                <a:srgbClr val="000000"/>
-              </a:solidFill>
-              <a:latin typeface="Arial"/>
-            </a:endParaRPr>
-          </a:p>
-        </p:txBody>
-      </p:sp>
-      <p:sp>
-        <p:nvSpPr>
-          <p:cNvPr id="18" name="PlaceHolder 3"/>
+            <a:endParaRPr b="0" lang="en-GB" sz="3200" spc="-1" strike="noStrike">
+              <a:latin typeface="Arial"/>
+            </a:endParaRPr>
+          </a:p>
+        </p:txBody>
+      </p:sp>
+      <p:sp>
+        <p:nvSpPr>
+          <p:cNvPr id="17" name="PlaceHolder 3"/>
           <p:cNvSpPr>
             <a:spLocks noGrp="1"/>
           </p:cNvSpPr>
@@ -2664,8 +2497,8 @@
         </p:nvSpPr>
         <p:spPr>
           <a:xfrm>
-            <a:off x="4677840" y="1152360"/>
-            <a:ext cx="4157640" cy="1629360"/>
+            <a:off x="4677120" y="1152360"/>
+            <a:ext cx="4157280" cy="1629000"/>
           </a:xfrm>
           <a:prstGeom prst="rect">
             <a:avLst/>
@@ -2676,18 +2509,15 @@
             <a:normAutofit/>
           </a:bodyPr>
           <a:p>
-            <a:endParaRPr b="0" lang="en-GB" sz="1400" spc="-1" strike="noStrike">
-              <a:solidFill>
-                <a:srgbClr val="000000"/>
-              </a:solidFill>
-              <a:latin typeface="Arial"/>
-            </a:endParaRPr>
-          </a:p>
-        </p:txBody>
-      </p:sp>
-      <p:sp>
-        <p:nvSpPr>
-          <p:cNvPr id="19" name="PlaceHolder 4"/>
+            <a:endParaRPr b="0" lang="en-GB" sz="3200" spc="-1" strike="noStrike">
+              <a:latin typeface="Arial"/>
+            </a:endParaRPr>
+          </a:p>
+        </p:txBody>
+      </p:sp>
+      <p:sp>
+        <p:nvSpPr>
+          <p:cNvPr id="18" name="PlaceHolder 4"/>
           <p:cNvSpPr>
             <a:spLocks noGrp="1"/>
           </p:cNvSpPr>
@@ -2697,8 +2527,8 @@
         </p:nvSpPr>
         <p:spPr>
           <a:xfrm>
-            <a:off x="4677840" y="2936880"/>
-            <a:ext cx="4157640" cy="1629360"/>
+            <a:off x="4677120" y="2936520"/>
+            <a:ext cx="4157280" cy="1629000"/>
           </a:xfrm>
           <a:prstGeom prst="rect">
             <a:avLst/>
@@ -2709,10 +2539,7 @@
             <a:normAutofit/>
           </a:bodyPr>
           <a:p>
-            <a:endParaRPr b="0" lang="en-GB" sz="1400" spc="-1" strike="noStrike">
-              <a:solidFill>
-                <a:srgbClr val="000000"/>
-              </a:solidFill>
+            <a:endParaRPr b="0" lang="en-GB" sz="3200" spc="-1" strike="noStrike">
               <a:latin typeface="Arial"/>
             </a:endParaRPr>
           </a:p>
@@ -2742,7 +2569,7 @@
       </p:grpSpPr>
       <p:sp>
         <p:nvSpPr>
-          <p:cNvPr id="20" name="PlaceHolder 1"/>
+          <p:cNvPr id="19" name="PlaceHolder 1"/>
           <p:cNvSpPr>
             <a:spLocks noGrp="1"/>
           </p:cNvSpPr>
@@ -2752,8 +2579,8 @@
         </p:nvSpPr>
         <p:spPr>
           <a:xfrm>
-            <a:off x="311760" y="444960"/>
-            <a:ext cx="8520120" cy="572400"/>
+            <a:off x="311760" y="418320"/>
+            <a:ext cx="8519760" cy="625320"/>
           </a:xfrm>
           <a:prstGeom prst="rect">
             <a:avLst/>
@@ -2762,18 +2589,16 @@
         <p:txBody>
           <a:bodyPr lIns="0" rIns="0" tIns="0" bIns="0" anchor="ctr"/>
           <a:p>
-            <a:endParaRPr b="0" lang="en-GB" sz="1400" spc="-1" strike="noStrike">
-              <a:solidFill>
-                <a:srgbClr val="000000"/>
-              </a:solidFill>
-              <a:latin typeface="Arial"/>
-            </a:endParaRPr>
-          </a:p>
-        </p:txBody>
-      </p:sp>
-      <p:sp>
-        <p:nvSpPr>
-          <p:cNvPr id="21" name="PlaceHolder 2"/>
+            <a:pPr algn="ctr"/>
+            <a:endParaRPr b="0" lang="en-GB" sz="4400" spc="-1" strike="noStrike">
+              <a:latin typeface="Arial"/>
+            </a:endParaRPr>
+          </a:p>
+        </p:txBody>
+      </p:sp>
+      <p:sp>
+        <p:nvSpPr>
+          <p:cNvPr id="20" name="PlaceHolder 2"/>
           <p:cNvSpPr>
             <a:spLocks noGrp="1"/>
           </p:cNvSpPr>
@@ -2784,7 +2609,7 @@
         <p:spPr>
           <a:xfrm>
             <a:off x="311760" y="1152360"/>
-            <a:ext cx="4157640" cy="1629360"/>
+            <a:ext cx="4157280" cy="1629000"/>
           </a:xfrm>
           <a:prstGeom prst="rect">
             <a:avLst/>
@@ -2795,18 +2620,15 @@
             <a:normAutofit/>
           </a:bodyPr>
           <a:p>
-            <a:endParaRPr b="0" lang="en-GB" sz="1400" spc="-1" strike="noStrike">
-              <a:solidFill>
-                <a:srgbClr val="000000"/>
-              </a:solidFill>
-              <a:latin typeface="Arial"/>
-            </a:endParaRPr>
-          </a:p>
-        </p:txBody>
-      </p:sp>
-      <p:sp>
-        <p:nvSpPr>
-          <p:cNvPr id="22" name="PlaceHolder 3"/>
+            <a:endParaRPr b="0" lang="en-GB" sz="3200" spc="-1" strike="noStrike">
+              <a:latin typeface="Arial"/>
+            </a:endParaRPr>
+          </a:p>
+        </p:txBody>
+      </p:sp>
+      <p:sp>
+        <p:nvSpPr>
+          <p:cNvPr id="21" name="PlaceHolder 3"/>
           <p:cNvSpPr>
             <a:spLocks noGrp="1"/>
           </p:cNvSpPr>
@@ -2816,8 +2638,8 @@
         </p:nvSpPr>
         <p:spPr>
           <a:xfrm>
-            <a:off x="4677840" y="1152360"/>
-            <a:ext cx="4157640" cy="1629360"/>
+            <a:off x="4677120" y="1152360"/>
+            <a:ext cx="4157280" cy="1629000"/>
           </a:xfrm>
           <a:prstGeom prst="rect">
             <a:avLst/>
@@ -2828,18 +2650,15 @@
             <a:normAutofit/>
           </a:bodyPr>
           <a:p>
-            <a:endParaRPr b="0" lang="en-GB" sz="1400" spc="-1" strike="noStrike">
-              <a:solidFill>
-                <a:srgbClr val="000000"/>
-              </a:solidFill>
-              <a:latin typeface="Arial"/>
-            </a:endParaRPr>
-          </a:p>
-        </p:txBody>
-      </p:sp>
-      <p:sp>
-        <p:nvSpPr>
-          <p:cNvPr id="23" name="PlaceHolder 4"/>
+            <a:endParaRPr b="0" lang="en-GB" sz="3200" spc="-1" strike="noStrike">
+              <a:latin typeface="Arial"/>
+            </a:endParaRPr>
+          </a:p>
+        </p:txBody>
+      </p:sp>
+      <p:sp>
+        <p:nvSpPr>
+          <p:cNvPr id="22" name="PlaceHolder 4"/>
           <p:cNvSpPr>
             <a:spLocks noGrp="1"/>
           </p:cNvSpPr>
@@ -2849,8 +2668,8 @@
         </p:nvSpPr>
         <p:spPr>
           <a:xfrm>
-            <a:off x="311760" y="2936880"/>
-            <a:ext cx="8520120" cy="1629360"/>
+            <a:off x="311760" y="2936520"/>
+            <a:ext cx="8519760" cy="1629000"/>
           </a:xfrm>
           <a:prstGeom prst="rect">
             <a:avLst/>
@@ -2861,10 +2680,7 @@
             <a:normAutofit/>
           </a:bodyPr>
           <a:p>
-            <a:endParaRPr b="0" lang="en-GB" sz="1400" spc="-1" strike="noStrike">
-              <a:solidFill>
-                <a:srgbClr val="000000"/>
-              </a:solidFill>
+            <a:endParaRPr b="0" lang="en-GB" sz="3200" spc="-1" strike="noStrike">
               <a:latin typeface="Arial"/>
             </a:endParaRPr>
           </a:p>
@@ -2911,29 +2727,23 @@
         </p:nvSpPr>
         <p:spPr>
           <a:xfrm>
-            <a:off x="311760" y="744480"/>
-            <a:ext cx="8520120" cy="2052360"/>
-          </a:xfrm>
-          <a:prstGeom prst="rect">
-            <a:avLst/>
-          </a:prstGeom>
-        </p:spPr>
-        <p:txBody>
-          <a:bodyPr tIns="91440" bIns="91440" anchor="b"/>
-          <a:p>
-            <a:r>
-              <a:rPr b="0" lang="en-GB" sz="5200" spc="-1" strike="noStrike">
-                <a:solidFill>
-                  <a:srgbClr val="000000"/>
-                </a:solidFill>
+            <a:off x="311760" y="444960"/>
+            <a:ext cx="8519760" cy="572040"/>
+          </a:xfrm>
+          <a:prstGeom prst="rect">
+            <a:avLst/>
+          </a:prstGeom>
+        </p:spPr>
+        <p:txBody>
+          <a:bodyPr lIns="0" rIns="0" tIns="0" bIns="0" anchor="ctr"/>
+          <a:p>
+            <a:r>
+              <a:rPr b="0" lang="en-GB" sz="1800" spc="-1" strike="noStrike">
                 <a:latin typeface="Arial"/>
               </a:rPr>
               <a:t>Click to edit the title text format</a:t>
             </a:r>
-            <a:endParaRPr b="0" lang="en-GB" sz="5200" spc="-1" strike="noStrike">
-              <a:solidFill>
-                <a:srgbClr val="000000"/>
-              </a:solidFill>
+            <a:endParaRPr b="0" lang="en-GB" sz="1800" spc="-1" strike="noStrike">
               <a:latin typeface="Arial"/>
             </a:endParaRPr>
           </a:p>
@@ -2942,49 +2752,6 @@
       <p:sp>
         <p:nvSpPr>
           <p:cNvPr id="1" name="PlaceHolder 2"/>
-          <p:cNvSpPr>
-            <a:spLocks noGrp="1"/>
-          </p:cNvSpPr>
-          <p:nvPr>
-            <p:ph type="sldNum"/>
-          </p:nvPr>
-        </p:nvSpPr>
-        <p:spPr>
-          <a:xfrm>
-            <a:off x="8472600" y="4663080"/>
-            <a:ext cx="548280" cy="393120"/>
-          </a:xfrm>
-          <a:prstGeom prst="rect">
-            <a:avLst/>
-          </a:prstGeom>
-        </p:spPr>
-        <p:txBody>
-          <a:bodyPr tIns="91440" bIns="91440" anchor="ctr"/>
-          <a:p>
-            <a:pPr algn="r">
-              <a:lnSpc>
-                <a:spcPct val="100000"/>
-              </a:lnSpc>
-            </a:pPr>
-            <a:fld id="{BECCF59E-15C7-41F8-AEE2-86E9FA40E864}" type="slidenum">
-              <a:rPr b="0" lang="en-GB" sz="1000" spc="-1" strike="noStrike">
-                <a:solidFill>
-                  <a:srgbClr val="595959"/>
-                </a:solidFill>
-                <a:latin typeface="Arial"/>
-                <a:ea typeface="Arial"/>
-              </a:rPr>
-              <a:t>&lt;number&gt;</a:t>
-            </a:fld>
-            <a:endParaRPr b="0" lang="en-GB" sz="1000" spc="-1" strike="noStrike">
-              <a:latin typeface="Times New Roman"/>
-            </a:endParaRPr>
-          </a:p>
-        </p:txBody>
-      </p:sp>
-      <p:sp>
-        <p:nvSpPr>
-          <p:cNvPr id="2" name="PlaceHolder 3"/>
           <p:cNvSpPr>
             <a:spLocks noGrp="1"/>
           </p:cNvSpPr>
@@ -3018,18 +2785,12 @@
               <a:buChar char=""/>
             </a:pPr>
             <a:r>
-              <a:rPr b="0" lang="en-GB" sz="1400" spc="-1" strike="noStrike">
-                <a:solidFill>
-                  <a:srgbClr val="000000"/>
-                </a:solidFill>
+              <a:rPr b="0" lang="en-GB" sz="3200" spc="-1" strike="noStrike">
                 <a:latin typeface="Arial"/>
               </a:rPr>
               <a:t>Click to edit the outline text format</a:t>
             </a:r>
-            <a:endParaRPr b="0" lang="en-GB" sz="1400" spc="-1" strike="noStrike">
-              <a:solidFill>
-                <a:srgbClr val="000000"/>
-              </a:solidFill>
+            <a:endParaRPr b="0" lang="en-GB" sz="3200" spc="-1" strike="noStrike">
               <a:latin typeface="Arial"/>
             </a:endParaRPr>
           </a:p>
@@ -3046,18 +2807,12 @@
               <a:buChar char=""/>
             </a:pPr>
             <a:r>
-              <a:rPr b="0" lang="en-GB" sz="1400" spc="-1" strike="noStrike">
-                <a:solidFill>
-                  <a:srgbClr val="000000"/>
-                </a:solidFill>
+              <a:rPr b="0" lang="en-GB" sz="2800" spc="-1" strike="noStrike">
                 <a:latin typeface="Arial"/>
               </a:rPr>
               <a:t>Second Outline Level</a:t>
             </a:r>
-            <a:endParaRPr b="0" lang="en-GB" sz="1400" spc="-1" strike="noStrike">
-              <a:solidFill>
-                <a:srgbClr val="000000"/>
-              </a:solidFill>
+            <a:endParaRPr b="0" lang="en-GB" sz="2800" spc="-1" strike="noStrike">
               <a:latin typeface="Arial"/>
             </a:endParaRPr>
           </a:p>
@@ -3074,18 +2829,12 @@
               <a:buChar char=""/>
             </a:pPr>
             <a:r>
-              <a:rPr b="0" lang="en-GB" sz="1400" spc="-1" strike="noStrike">
-                <a:solidFill>
-                  <a:srgbClr val="000000"/>
-                </a:solidFill>
+              <a:rPr b="0" lang="en-GB" sz="2400" spc="-1" strike="noStrike">
                 <a:latin typeface="Arial"/>
               </a:rPr>
               <a:t>Third Outline Level</a:t>
             </a:r>
-            <a:endParaRPr b="0" lang="en-GB" sz="1400" spc="-1" strike="noStrike">
-              <a:solidFill>
-                <a:srgbClr val="000000"/>
-              </a:solidFill>
+            <a:endParaRPr b="0" lang="en-GB" sz="2400" spc="-1" strike="noStrike">
               <a:latin typeface="Arial"/>
             </a:endParaRPr>
           </a:p>
@@ -3102,18 +2851,12 @@
               <a:buChar char=""/>
             </a:pPr>
             <a:r>
-              <a:rPr b="0" lang="en-GB" sz="1400" spc="-1" strike="noStrike">
-                <a:solidFill>
-                  <a:srgbClr val="000000"/>
-                </a:solidFill>
+              <a:rPr b="0" lang="en-GB" sz="2000" spc="-1" strike="noStrike">
                 <a:latin typeface="Arial"/>
               </a:rPr>
               <a:t>Fourth Outline Level</a:t>
             </a:r>
-            <a:endParaRPr b="0" lang="en-GB" sz="1400" spc="-1" strike="noStrike">
-              <a:solidFill>
-                <a:srgbClr val="000000"/>
-              </a:solidFill>
+            <a:endParaRPr b="0" lang="en-GB" sz="2000" spc="-1" strike="noStrike">
               <a:latin typeface="Arial"/>
             </a:endParaRPr>
           </a:p>
@@ -3131,17 +2874,11 @@
             </a:pPr>
             <a:r>
               <a:rPr b="0" lang="en-GB" sz="2000" spc="-1" strike="noStrike">
-                <a:solidFill>
-                  <a:srgbClr val="000000"/>
-                </a:solidFill>
                 <a:latin typeface="Arial"/>
               </a:rPr>
               <a:t>Fifth Outline Level</a:t>
             </a:r>
             <a:endParaRPr b="0" lang="en-GB" sz="2000" spc="-1" strike="noStrike">
-              <a:solidFill>
-                <a:srgbClr val="000000"/>
-              </a:solidFill>
               <a:latin typeface="Arial"/>
             </a:endParaRPr>
           </a:p>
@@ -3159,17 +2896,11 @@
             </a:pPr>
             <a:r>
               <a:rPr b="0" lang="en-GB" sz="2000" spc="-1" strike="noStrike">
-                <a:solidFill>
-                  <a:srgbClr val="000000"/>
-                </a:solidFill>
                 <a:latin typeface="Arial"/>
               </a:rPr>
               <a:t>Sixth Outline Level</a:t>
             </a:r>
             <a:endParaRPr b="0" lang="en-GB" sz="2000" spc="-1" strike="noStrike">
-              <a:solidFill>
-                <a:srgbClr val="000000"/>
-              </a:solidFill>
               <a:latin typeface="Arial"/>
             </a:endParaRPr>
           </a:p>
@@ -3187,17 +2918,11 @@
             </a:pPr>
             <a:r>
               <a:rPr b="0" lang="en-GB" sz="2000" spc="-1" strike="noStrike">
-                <a:solidFill>
-                  <a:srgbClr val="000000"/>
-                </a:solidFill>
                 <a:latin typeface="Arial"/>
               </a:rPr>
               <a:t>Seventh Outline Level</a:t>
             </a:r>
             <a:endParaRPr b="0" lang="en-GB" sz="2000" spc="-1" strike="noStrike">
-              <a:solidFill>
-                <a:srgbClr val="000000"/>
-              </a:solidFill>
               <a:latin typeface="Arial"/>
             </a:endParaRPr>
           </a:p>
@@ -3249,7 +2974,7 @@
       </p:grpSpPr>
       <p:sp>
         <p:nvSpPr>
-          <p:cNvPr id="39" name="PlaceHolder 1"/>
+          <p:cNvPr id="38" name="PlaceHolder 1"/>
           <p:cNvSpPr>
             <a:spLocks noGrp="1"/>
           </p:cNvSpPr>
@@ -3260,36 +2985,30 @@
         <p:spPr>
           <a:xfrm>
             <a:off x="311760" y="444960"/>
-            <a:ext cx="8520120" cy="572400"/>
-          </a:xfrm>
-          <a:prstGeom prst="rect">
-            <a:avLst/>
-          </a:prstGeom>
-        </p:spPr>
-        <p:txBody>
-          <a:bodyPr tIns="91440" bIns="91440"/>
-          <a:p>
-            <a:r>
-              <a:rPr b="0" lang="en-GB" sz="2800" spc="-1" strike="noStrike">
-                <a:solidFill>
-                  <a:srgbClr val="000000"/>
-                </a:solidFill>
+            <a:ext cx="8519760" cy="572040"/>
+          </a:xfrm>
+          <a:prstGeom prst="rect">
+            <a:avLst/>
+          </a:prstGeom>
+        </p:spPr>
+        <p:txBody>
+          <a:bodyPr lIns="0" rIns="0" tIns="0" bIns="0" anchor="ctr"/>
+          <a:p>
+            <a:r>
+              <a:rPr b="0" lang="en-GB" sz="1800" spc="-1" strike="noStrike">
                 <a:latin typeface="Arial"/>
               </a:rPr>
               <a:t>Click to edit the title text format</a:t>
             </a:r>
-            <a:endParaRPr b="0" lang="en-GB" sz="2800" spc="-1" strike="noStrike">
-              <a:solidFill>
-                <a:srgbClr val="000000"/>
-              </a:solidFill>
-              <a:latin typeface="Arial"/>
-            </a:endParaRPr>
-          </a:p>
-        </p:txBody>
-      </p:sp>
-      <p:sp>
-        <p:nvSpPr>
-          <p:cNvPr id="40" name="PlaceHolder 2"/>
+            <a:endParaRPr b="0" lang="en-GB" sz="1800" spc="-1" strike="noStrike">
+              <a:latin typeface="Arial"/>
+            </a:endParaRPr>
+          </a:p>
+        </p:txBody>
+      </p:sp>
+      <p:sp>
+        <p:nvSpPr>
+          <p:cNvPr id="39" name="PlaceHolder 2"/>
           <p:cNvSpPr>
             <a:spLocks noGrp="1"/>
           </p:cNvSpPr>
@@ -3300,14 +3019,16 @@
         <p:spPr>
           <a:xfrm>
             <a:off x="311760" y="1152360"/>
-            <a:ext cx="8520120" cy="3416040"/>
-          </a:xfrm>
-          <a:prstGeom prst="rect">
-            <a:avLst/>
-          </a:prstGeom>
-        </p:spPr>
-        <p:txBody>
-          <a:bodyPr tIns="91440" bIns="91440"/>
+            <a:ext cx="8519760" cy="3415680"/>
+          </a:xfrm>
+          <a:prstGeom prst="rect">
+            <a:avLst/>
+          </a:prstGeom>
+        </p:spPr>
+        <p:txBody>
+          <a:bodyPr lIns="0" rIns="0" tIns="0" bIns="0">
+            <a:normAutofit/>
+          </a:bodyPr>
           <a:p>
             <a:pPr marL="432000" indent="-324000">
               <a:spcBef>
@@ -3322,17 +3043,11 @@
             </a:pPr>
             <a:r>
               <a:rPr b="0" lang="en-GB" sz="1800" spc="-1" strike="noStrike">
-                <a:solidFill>
-                  <a:srgbClr val="000000"/>
-                </a:solidFill>
                 <a:latin typeface="Arial"/>
               </a:rPr>
               <a:t>Click to edit the outline text format</a:t>
             </a:r>
             <a:endParaRPr b="0" lang="en-GB" sz="1800" spc="-1" strike="noStrike">
-              <a:solidFill>
-                <a:srgbClr val="000000"/>
-              </a:solidFill>
               <a:latin typeface="Arial"/>
             </a:endParaRPr>
           </a:p>
@@ -3350,17 +3065,11 @@
             </a:pPr>
             <a:r>
               <a:rPr b="0" lang="en-GB" sz="1800" spc="-1" strike="noStrike">
-                <a:solidFill>
-                  <a:srgbClr val="000000"/>
-                </a:solidFill>
                 <a:latin typeface="Arial"/>
               </a:rPr>
               <a:t>Second Outline Level</a:t>
             </a:r>
             <a:endParaRPr b="0" lang="en-GB" sz="1800" spc="-1" strike="noStrike">
-              <a:solidFill>
-                <a:srgbClr val="000000"/>
-              </a:solidFill>
               <a:latin typeface="Arial"/>
             </a:endParaRPr>
           </a:p>
@@ -3378,17 +3087,11 @@
             </a:pPr>
             <a:r>
               <a:rPr b="0" lang="en-GB" sz="1800" spc="-1" strike="noStrike">
-                <a:solidFill>
-                  <a:srgbClr val="000000"/>
-                </a:solidFill>
                 <a:latin typeface="Arial"/>
               </a:rPr>
               <a:t>Third Outline Level</a:t>
             </a:r>
             <a:endParaRPr b="0" lang="en-GB" sz="1800" spc="-1" strike="noStrike">
-              <a:solidFill>
-                <a:srgbClr val="000000"/>
-              </a:solidFill>
               <a:latin typeface="Arial"/>
             </a:endParaRPr>
           </a:p>
@@ -3406,17 +3109,11 @@
             </a:pPr>
             <a:r>
               <a:rPr b="0" lang="en-GB" sz="1800" spc="-1" strike="noStrike">
-                <a:solidFill>
-                  <a:srgbClr val="000000"/>
-                </a:solidFill>
                 <a:latin typeface="Arial"/>
               </a:rPr>
               <a:t>Fourth Outline Level</a:t>
             </a:r>
             <a:endParaRPr b="0" lang="en-GB" sz="1800" spc="-1" strike="noStrike">
-              <a:solidFill>
-                <a:srgbClr val="000000"/>
-              </a:solidFill>
               <a:latin typeface="Arial"/>
             </a:endParaRPr>
           </a:p>
@@ -3434,17 +3131,11 @@
             </a:pPr>
             <a:r>
               <a:rPr b="0" lang="en-GB" sz="1800" spc="-1" strike="noStrike">
-                <a:solidFill>
-                  <a:srgbClr val="000000"/>
-                </a:solidFill>
                 <a:latin typeface="Arial"/>
               </a:rPr>
               <a:t>Fifth Outline Level</a:t>
             </a:r>
             <a:endParaRPr b="0" lang="en-GB" sz="1800" spc="-1" strike="noStrike">
-              <a:solidFill>
-                <a:srgbClr val="000000"/>
-              </a:solidFill>
               <a:latin typeface="Arial"/>
             </a:endParaRPr>
           </a:p>
@@ -3462,17 +3153,11 @@
             </a:pPr>
             <a:r>
               <a:rPr b="0" lang="en-GB" sz="1800" spc="-1" strike="noStrike">
-                <a:solidFill>
-                  <a:srgbClr val="000000"/>
-                </a:solidFill>
                 <a:latin typeface="Arial"/>
               </a:rPr>
               <a:t>Sixth Outline Level</a:t>
             </a:r>
             <a:endParaRPr b="0" lang="en-GB" sz="1800" spc="-1" strike="noStrike">
-              <a:solidFill>
-                <a:srgbClr val="000000"/>
-              </a:solidFill>
               <a:latin typeface="Arial"/>
             </a:endParaRPr>
           </a:p>
@@ -3490,61 +3175,12 @@
             </a:pPr>
             <a:r>
               <a:rPr b="0" lang="en-GB" sz="1800" spc="-1" strike="noStrike">
-                <a:solidFill>
-                  <a:srgbClr val="000000"/>
-                </a:solidFill>
                 <a:latin typeface="Arial"/>
               </a:rPr>
               <a:t>Seventh Outline Level</a:t>
             </a:r>
             <a:endParaRPr b="0" lang="en-GB" sz="1800" spc="-1" strike="noStrike">
-              <a:solidFill>
-                <a:srgbClr val="000000"/>
-              </a:solidFill>
-              <a:latin typeface="Arial"/>
-            </a:endParaRPr>
-          </a:p>
-        </p:txBody>
-      </p:sp>
-      <p:sp>
-        <p:nvSpPr>
-          <p:cNvPr id="41" name="PlaceHolder 3"/>
-          <p:cNvSpPr>
-            <a:spLocks noGrp="1"/>
-          </p:cNvSpPr>
-          <p:nvPr>
-            <p:ph type="sldNum"/>
-          </p:nvPr>
-        </p:nvSpPr>
-        <p:spPr>
-          <a:xfrm>
-            <a:off x="8472600" y="4663080"/>
-            <a:ext cx="548280" cy="393120"/>
-          </a:xfrm>
-          <a:prstGeom prst="rect">
-            <a:avLst/>
-          </a:prstGeom>
-        </p:spPr>
-        <p:txBody>
-          <a:bodyPr tIns="91440" bIns="91440" anchor="ctr"/>
-          <a:p>
-            <a:pPr algn="r">
-              <a:lnSpc>
-                <a:spcPct val="100000"/>
-              </a:lnSpc>
-            </a:pPr>
-            <a:fld id="{3D8362C7-B860-443B-ADB6-94049BA0483F}" type="slidenum">
-              <a:rPr b="0" lang="en-GB" sz="1000" spc="-1" strike="noStrike">
-                <a:solidFill>
-                  <a:srgbClr val="595959"/>
-                </a:solidFill>
-                <a:latin typeface="Arial"/>
-                <a:ea typeface="Arial"/>
-              </a:rPr>
-              <a:t>1</a:t>
-            </a:fld>
-            <a:endParaRPr b="0" lang="en-GB" sz="1000" spc="-1" strike="noStrike">
-              <a:latin typeface="Times New Roman"/>
+              <a:latin typeface="Arial"/>
             </a:endParaRPr>
           </a:p>
         </p:txBody>
@@ -3588,14 +3224,14 @@
       </p:grpSpPr>
       <p:sp>
         <p:nvSpPr>
-          <p:cNvPr id="78" name="TextShape 1"/>
-          <p:cNvSpPr txBox="1"/>
+          <p:cNvPr id="76" name="CustomShape 1"/>
+          <p:cNvSpPr/>
           <p:nvPr/>
         </p:nvSpPr>
         <p:spPr>
           <a:xfrm>
             <a:off x="311760" y="744480"/>
-            <a:ext cx="8520120" cy="2052360"/>
+            <a:ext cx="8519760" cy="2052000"/>
           </a:xfrm>
           <a:prstGeom prst="rect">
             <a:avLst/>
@@ -3605,8 +3241,14 @@
             <a:noFill/>
           </a:ln>
         </p:spPr>
-        <p:txBody>
-          <a:bodyPr tIns="91440" bIns="91440" anchor="b"/>
+        <p:style>
+          <a:lnRef idx="0"/>
+          <a:fillRef idx="0"/>
+          <a:effectRef idx="0"/>
+          <a:fontRef idx="minor"/>
+        </p:style>
+        <p:txBody>
+          <a:bodyPr lIns="90000" rIns="90000" tIns="91440" bIns="91440" anchor="b"/>
           <a:p>
             <a:pPr algn="ctr">
               <a:lnSpc>
@@ -3624,24 +3266,21 @@
               <a:t>Week 4</a:t>
             </a:r>
             <a:endParaRPr b="0" lang="en-GB" sz="5200" spc="-1" strike="noStrike">
-              <a:solidFill>
-                <a:srgbClr val="000000"/>
-              </a:solidFill>
-              <a:latin typeface="Arial"/>
-            </a:endParaRPr>
-          </a:p>
-        </p:txBody>
-      </p:sp>
-      <p:sp>
-        <p:nvSpPr>
-          <p:cNvPr id="79" name="TextShape 2"/>
-          <p:cNvSpPr txBox="1"/>
+              <a:latin typeface="Arial"/>
+            </a:endParaRPr>
+          </a:p>
+        </p:txBody>
+      </p:sp>
+      <p:sp>
+        <p:nvSpPr>
+          <p:cNvPr id="77" name="CustomShape 2"/>
+          <p:cNvSpPr/>
           <p:nvPr/>
         </p:nvSpPr>
         <p:spPr>
           <a:xfrm>
             <a:off x="311760" y="2834280"/>
-            <a:ext cx="8520120" cy="792360"/>
+            <a:ext cx="8519760" cy="792000"/>
           </a:xfrm>
           <a:prstGeom prst="rect">
             <a:avLst/>
@@ -3651,8 +3290,14 @@
             <a:noFill/>
           </a:ln>
         </p:spPr>
-        <p:txBody>
-          <a:bodyPr tIns="91440" bIns="91440"/>
+        <p:style>
+          <a:lnRef idx="0"/>
+          <a:fillRef idx="0"/>
+          <a:effectRef idx="0"/>
+          <a:fontRef idx="minor"/>
+        </p:style>
+        <p:txBody>
+          <a:bodyPr lIns="90000" rIns="90000" tIns="91440" bIns="91440"/>
           <a:p>
             <a:pPr algn="ctr">
               <a:lnSpc>
@@ -3726,14 +3371,14 @@
       </p:grpSpPr>
       <p:sp>
         <p:nvSpPr>
-          <p:cNvPr id="102" name="TextShape 1"/>
-          <p:cNvSpPr txBox="1"/>
+          <p:cNvPr id="100" name="CustomShape 1"/>
+          <p:cNvSpPr/>
           <p:nvPr/>
         </p:nvSpPr>
         <p:spPr>
           <a:xfrm>
             <a:off x="311760" y="444960"/>
-            <a:ext cx="8769240" cy="4631760"/>
+            <a:ext cx="8768880" cy="4631400"/>
           </a:xfrm>
           <a:prstGeom prst="rect">
             <a:avLst/>
@@ -3743,8 +3388,14 @@
             <a:noFill/>
           </a:ln>
         </p:spPr>
-        <p:txBody>
-          <a:bodyPr tIns="91440" bIns="91440"/>
+        <p:style>
+          <a:lnRef idx="0"/>
+          <a:fillRef idx="0"/>
+          <a:effectRef idx="0"/>
+          <a:fontRef idx="minor"/>
+        </p:style>
+        <p:txBody>
+          <a:bodyPr lIns="90000" rIns="90000" tIns="91440" bIns="91440"/>
           <a:p>
             <a:pPr>
               <a:lnSpc>
@@ -3832,9 +3483,6 @@
             <a:br/>
             <a:br/>
             <a:endParaRPr b="0" lang="en-GB" sz="2800" spc="-1" strike="noStrike">
-              <a:solidFill>
-                <a:srgbClr val="000000"/>
-              </a:solidFill>
               <a:latin typeface="Arial"/>
             </a:endParaRPr>
           </a:p>
@@ -3842,6 +3490,33 @@
       </p:sp>
     </p:spTree>
   </p:cSld>
+  <p:timing>
+    <p:tnLst>
+      <p:par>
+        <p:cTn id="19" dur="indefinite" restart="never" nodeType="tmRoot">
+          <p:childTnLst>
+            <p:seq>
+              <p:cTn id="20" dur="indefinite" nodeType="mainSeq"/>
+              <p:prevCondLst>
+                <p:cond delay="0" evt="onPrev">
+                  <p:tgtEl>
+                    <p:sldTgt/>
+                  </p:tgtEl>
+                </p:cond>
+              </p:prevCondLst>
+              <p:nextCondLst>
+                <p:cond delay="0" evt="onNext">
+                  <p:tgtEl>
+                    <p:sldTgt/>
+                  </p:tgtEl>
+                </p:cond>
+              </p:nextCondLst>
+            </p:seq>
+          </p:childTnLst>
+        </p:cTn>
+      </p:par>
+    </p:tnLst>
+  </p:timing>
 </p:sld>
 </file>
 
@@ -3864,14 +3539,14 @@
       </p:grpSpPr>
       <p:sp>
         <p:nvSpPr>
-          <p:cNvPr id="103" name="TextShape 1"/>
-          <p:cNvSpPr txBox="1"/>
+          <p:cNvPr id="101" name="CustomShape 1"/>
+          <p:cNvSpPr/>
           <p:nvPr/>
         </p:nvSpPr>
         <p:spPr>
           <a:xfrm>
             <a:off x="311760" y="444960"/>
-            <a:ext cx="8520120" cy="2126520"/>
+            <a:ext cx="8519760" cy="2126160"/>
           </a:xfrm>
           <a:prstGeom prst="rect">
             <a:avLst/>
@@ -3881,8 +3556,14 @@
             <a:noFill/>
           </a:ln>
         </p:spPr>
-        <p:txBody>
-          <a:bodyPr tIns="91440" bIns="91440"/>
+        <p:style>
+          <a:lnRef idx="0"/>
+          <a:fillRef idx="0"/>
+          <a:effectRef idx="0"/>
+          <a:fontRef idx="minor"/>
+        </p:style>
+        <p:txBody>
+          <a:bodyPr lIns="90000" rIns="90000" tIns="91440" bIns="91440"/>
           <a:p>
             <a:pPr algn="ctr">
               <a:lnSpc>
@@ -3901,24 +3582,21 @@
             </a:r>
             <a:br/>
             <a:endParaRPr b="0" lang="en-GB" sz="3600" spc="-1" strike="noStrike">
-              <a:solidFill>
-                <a:srgbClr val="000000"/>
-              </a:solidFill>
-              <a:latin typeface="Arial"/>
-            </a:endParaRPr>
-          </a:p>
-        </p:txBody>
-      </p:sp>
-      <p:sp>
-        <p:nvSpPr>
-          <p:cNvPr id="104" name="TextShape 2"/>
-          <p:cNvSpPr txBox="1"/>
+              <a:latin typeface="Arial"/>
+            </a:endParaRPr>
+          </a:p>
+        </p:txBody>
+      </p:sp>
+      <p:sp>
+        <p:nvSpPr>
+          <p:cNvPr id="102" name="CustomShape 2"/>
+          <p:cNvSpPr/>
           <p:nvPr/>
         </p:nvSpPr>
         <p:spPr>
           <a:xfrm>
             <a:off x="311760" y="1787760"/>
-            <a:ext cx="8520120" cy="3416040"/>
+            <a:ext cx="8519760" cy="3415680"/>
           </a:xfrm>
           <a:prstGeom prst="rect">
             <a:avLst/>
@@ -3928,20 +3606,42 @@
             <a:noFill/>
           </a:ln>
         </p:spPr>
-        <p:txBody>
-          <a:bodyPr tIns="91440" bIns="91440"/>
-          <a:p>
-            <a:endParaRPr b="0" lang="en-GB" sz="1400" spc="-1" strike="noStrike">
-              <a:solidFill>
-                <a:srgbClr val="000000"/>
-              </a:solidFill>
-              <a:latin typeface="Arial"/>
-            </a:endParaRPr>
-          </a:p>
-        </p:txBody>
+        <p:style>
+          <a:lnRef idx="0"/>
+          <a:fillRef idx="0"/>
+          <a:effectRef idx="0"/>
+          <a:fontRef idx="minor"/>
+        </p:style>
       </p:sp>
     </p:spTree>
   </p:cSld>
+  <p:timing>
+    <p:tnLst>
+      <p:par>
+        <p:cTn id="21" dur="indefinite" restart="never" nodeType="tmRoot">
+          <p:childTnLst>
+            <p:seq>
+              <p:cTn id="22" dur="indefinite" nodeType="mainSeq"/>
+              <p:prevCondLst>
+                <p:cond delay="0" evt="onPrev">
+                  <p:tgtEl>
+                    <p:sldTgt/>
+                  </p:tgtEl>
+                </p:cond>
+              </p:prevCondLst>
+              <p:nextCondLst>
+                <p:cond delay="0" evt="onNext">
+                  <p:tgtEl>
+                    <p:sldTgt/>
+                  </p:tgtEl>
+                </p:cond>
+              </p:nextCondLst>
+            </p:seq>
+          </p:childTnLst>
+        </p:cTn>
+      </p:par>
+    </p:tnLst>
+  </p:timing>
 </p:sld>
 </file>
 
@@ -3964,14 +3664,14 @@
       </p:grpSpPr>
       <p:sp>
         <p:nvSpPr>
-          <p:cNvPr id="105" name="TextShape 1"/>
-          <p:cNvSpPr txBox="1"/>
+          <p:cNvPr id="103" name="CustomShape 1"/>
+          <p:cNvSpPr/>
           <p:nvPr/>
         </p:nvSpPr>
         <p:spPr>
           <a:xfrm>
             <a:off x="311760" y="444960"/>
-            <a:ext cx="8520120" cy="572400"/>
+            <a:ext cx="8519760" cy="572040"/>
           </a:xfrm>
           <a:prstGeom prst="rect">
             <a:avLst/>
@@ -3981,8 +3681,14 @@
             <a:noFill/>
           </a:ln>
         </p:spPr>
-        <p:txBody>
-          <a:bodyPr tIns="91440" bIns="91440"/>
+        <p:style>
+          <a:lnRef idx="0"/>
+          <a:fillRef idx="0"/>
+          <a:effectRef idx="0"/>
+          <a:fontRef idx="minor"/>
+        </p:style>
+        <p:txBody>
+          <a:bodyPr lIns="90000" rIns="90000" tIns="91440" bIns="91440"/>
           <a:p>
             <a:pPr>
               <a:lnSpc>
@@ -4000,24 +3706,21 @@
               <a:t>Its Sine Waves all the way down</a:t>
             </a:r>
             <a:endParaRPr b="0" lang="en-GB" sz="2800" spc="-1" strike="noStrike">
-              <a:solidFill>
-                <a:srgbClr val="000000"/>
-              </a:solidFill>
-              <a:latin typeface="Arial"/>
-            </a:endParaRPr>
-          </a:p>
-        </p:txBody>
-      </p:sp>
-      <p:sp>
-        <p:nvSpPr>
-          <p:cNvPr id="106" name="TextShape 2"/>
-          <p:cNvSpPr txBox="1"/>
+              <a:latin typeface="Arial"/>
+            </a:endParaRPr>
+          </a:p>
+        </p:txBody>
+      </p:sp>
+      <p:sp>
+        <p:nvSpPr>
+          <p:cNvPr id="104" name="CustomShape 2"/>
+          <p:cNvSpPr/>
           <p:nvPr/>
         </p:nvSpPr>
         <p:spPr>
           <a:xfrm>
             <a:off x="311760" y="1152360"/>
-            <a:ext cx="8727480" cy="3416040"/>
+            <a:ext cx="8727120" cy="3415680"/>
           </a:xfrm>
           <a:prstGeom prst="rect">
             <a:avLst/>
@@ -4027,8 +3730,14 @@
             <a:noFill/>
           </a:ln>
         </p:spPr>
-        <p:txBody>
-          <a:bodyPr tIns="91440" bIns="91440"/>
+        <p:style>
+          <a:lnRef idx="0"/>
+          <a:fillRef idx="0"/>
+          <a:effectRef idx="0"/>
+          <a:fontRef idx="minor"/>
+        </p:style>
+        <p:txBody>
+          <a:bodyPr lIns="90000" rIns="90000" tIns="91440" bIns="91440"/>
           <a:p>
             <a:pPr>
               <a:lnSpc>
@@ -4046,9 +3755,6 @@
               <a:t>My Voice, sound and music can be separated into Sine Waves.</a:t>
             </a:r>
             <a:endParaRPr b="0" lang="en-GB" sz="2400" spc="-1" strike="noStrike">
-              <a:solidFill>
-                <a:srgbClr val="000000"/>
-              </a:solidFill>
               <a:latin typeface="Arial"/>
             </a:endParaRPr>
           </a:p>
@@ -4065,9 +3771,6 @@
               </a:spcAft>
             </a:pPr>
             <a:endParaRPr b="0" lang="en-GB" sz="2400" spc="-1" strike="noStrike">
-              <a:solidFill>
-                <a:srgbClr val="000000"/>
-              </a:solidFill>
               <a:latin typeface="Arial"/>
             </a:endParaRPr>
           </a:p>
@@ -4075,7 +3778,7 @@
       </p:sp>
       <p:pic>
         <p:nvPicPr>
-          <p:cNvPr id="107" name="Google Shape;127;p24" descr=""/>
+          <p:cNvPr id="105" name="Google Shape;127;p24" descr=""/>
           <p:cNvPicPr/>
           <p:nvPr/>
         </p:nvPicPr>
@@ -4086,7 +3789,7 @@
         <p:spPr>
           <a:xfrm>
             <a:off x="2458440" y="1724400"/>
-            <a:ext cx="4658760" cy="3148200"/>
+            <a:ext cx="4658400" cy="3147840"/>
           </a:xfrm>
           <a:prstGeom prst="rect">
             <a:avLst/>
@@ -4098,6 +3801,33 @@
       </p:pic>
     </p:spTree>
   </p:cSld>
+  <p:timing>
+    <p:tnLst>
+      <p:par>
+        <p:cTn id="23" dur="indefinite" restart="never" nodeType="tmRoot">
+          <p:childTnLst>
+            <p:seq>
+              <p:cTn id="24" dur="indefinite" nodeType="mainSeq"/>
+              <p:prevCondLst>
+                <p:cond delay="0" evt="onPrev">
+                  <p:tgtEl>
+                    <p:sldTgt/>
+                  </p:tgtEl>
+                </p:cond>
+              </p:prevCondLst>
+              <p:nextCondLst>
+                <p:cond delay="0" evt="onNext">
+                  <p:tgtEl>
+                    <p:sldTgt/>
+                  </p:tgtEl>
+                </p:cond>
+              </p:nextCondLst>
+            </p:seq>
+          </p:childTnLst>
+        </p:cTn>
+      </p:par>
+    </p:tnLst>
+  </p:timing>
 </p:sld>
 </file>
 
@@ -4120,14 +3850,14 @@
       </p:grpSpPr>
       <p:sp>
         <p:nvSpPr>
-          <p:cNvPr id="108" name="TextShape 1"/>
-          <p:cNvSpPr txBox="1"/>
+          <p:cNvPr id="106" name="CustomShape 1"/>
+          <p:cNvSpPr/>
           <p:nvPr/>
         </p:nvSpPr>
         <p:spPr>
           <a:xfrm>
             <a:off x="311760" y="444960"/>
-            <a:ext cx="8520120" cy="4360680"/>
+            <a:ext cx="8519760" cy="4360320"/>
           </a:xfrm>
           <a:prstGeom prst="rect">
             <a:avLst/>
@@ -4137,8 +3867,14 @@
             <a:noFill/>
           </a:ln>
         </p:spPr>
-        <p:txBody>
-          <a:bodyPr tIns="91440" bIns="91440"/>
+        <p:style>
+          <a:lnRef idx="0"/>
+          <a:fillRef idx="0"/>
+          <a:effectRef idx="0"/>
+          <a:fontRef idx="minor"/>
+        </p:style>
+        <p:txBody>
+          <a:bodyPr lIns="90000" rIns="90000" tIns="91440" bIns="91440"/>
           <a:p>
             <a:pPr>
               <a:lnSpc>
@@ -4220,24 +3956,21 @@
             <a:br/>
             <a:br/>
             <a:endParaRPr b="0" lang="en-GB" sz="2800" spc="-1" strike="noStrike">
-              <a:solidFill>
-                <a:srgbClr val="000000"/>
-              </a:solidFill>
-              <a:latin typeface="Arial"/>
-            </a:endParaRPr>
-          </a:p>
-        </p:txBody>
-      </p:sp>
-      <p:sp>
-        <p:nvSpPr>
-          <p:cNvPr id="109" name="TextShape 2"/>
-          <p:cNvSpPr txBox="1"/>
+              <a:latin typeface="Arial"/>
+            </a:endParaRPr>
+          </a:p>
+        </p:txBody>
+      </p:sp>
+      <p:sp>
+        <p:nvSpPr>
+          <p:cNvPr id="107" name="CustomShape 2"/>
+          <p:cNvSpPr/>
           <p:nvPr/>
         </p:nvSpPr>
         <p:spPr>
           <a:xfrm>
             <a:off x="-73440" y="4618800"/>
-            <a:ext cx="8520120" cy="1709280"/>
+            <a:ext cx="8519760" cy="1708920"/>
           </a:xfrm>
           <a:prstGeom prst="rect">
             <a:avLst/>
@@ -4247,20 +3980,42 @@
             <a:noFill/>
           </a:ln>
         </p:spPr>
-        <p:txBody>
-          <a:bodyPr tIns="91440" bIns="91440"/>
-          <a:p>
-            <a:endParaRPr b="0" lang="en-GB" sz="1400" spc="-1" strike="noStrike">
-              <a:solidFill>
-                <a:srgbClr val="000000"/>
-              </a:solidFill>
-              <a:latin typeface="Arial"/>
-            </a:endParaRPr>
-          </a:p>
-        </p:txBody>
+        <p:style>
+          <a:lnRef idx="0"/>
+          <a:fillRef idx="0"/>
+          <a:effectRef idx="0"/>
+          <a:fontRef idx="minor"/>
+        </p:style>
       </p:sp>
     </p:spTree>
   </p:cSld>
+  <p:timing>
+    <p:tnLst>
+      <p:par>
+        <p:cTn id="25" dur="indefinite" restart="never" nodeType="tmRoot">
+          <p:childTnLst>
+            <p:seq>
+              <p:cTn id="26" dur="indefinite" nodeType="mainSeq"/>
+              <p:prevCondLst>
+                <p:cond delay="0" evt="onPrev">
+                  <p:tgtEl>
+                    <p:sldTgt/>
+                  </p:tgtEl>
+                </p:cond>
+              </p:prevCondLst>
+              <p:nextCondLst>
+                <p:cond delay="0" evt="onNext">
+                  <p:tgtEl>
+                    <p:sldTgt/>
+                  </p:tgtEl>
+                </p:cond>
+              </p:nextCondLst>
+            </p:seq>
+          </p:childTnLst>
+        </p:cTn>
+      </p:par>
+    </p:tnLst>
+  </p:timing>
 </p:sld>
 </file>
 
@@ -4283,14 +4038,14 @@
       </p:grpSpPr>
       <p:sp>
         <p:nvSpPr>
-          <p:cNvPr id="110" name="TextShape 1"/>
-          <p:cNvSpPr txBox="1"/>
+          <p:cNvPr id="108" name="CustomShape 1"/>
+          <p:cNvSpPr/>
           <p:nvPr/>
         </p:nvSpPr>
         <p:spPr>
           <a:xfrm>
             <a:off x="311760" y="444960"/>
-            <a:ext cx="8779680" cy="3736080"/>
+            <a:ext cx="8779320" cy="3735720"/>
           </a:xfrm>
           <a:prstGeom prst="rect">
             <a:avLst/>
@@ -4300,8 +4055,14 @@
             <a:noFill/>
           </a:ln>
         </p:spPr>
-        <p:txBody>
-          <a:bodyPr tIns="91440" bIns="91440"/>
+        <p:style>
+          <a:lnRef idx="0"/>
+          <a:fillRef idx="0"/>
+          <a:effectRef idx="0"/>
+          <a:fontRef idx="minor"/>
+        </p:style>
+        <p:txBody>
+          <a:bodyPr lIns="90000" rIns="90000" tIns="91440" bIns="91440"/>
           <a:p>
             <a:pPr>
               <a:lnSpc>
@@ -4343,24 +4104,21 @@
               <a:t>But it’s really useful to know when playing with Sound </a:t>
             </a:r>
             <a:endParaRPr b="0" lang="en-GB" sz="2800" spc="-1" strike="noStrike">
-              <a:solidFill>
-                <a:srgbClr val="000000"/>
-              </a:solidFill>
-              <a:latin typeface="Arial"/>
-            </a:endParaRPr>
-          </a:p>
-        </p:txBody>
-      </p:sp>
-      <p:sp>
-        <p:nvSpPr>
-          <p:cNvPr id="111" name="TextShape 2"/>
-          <p:cNvSpPr txBox="1"/>
+              <a:latin typeface="Arial"/>
+            </a:endParaRPr>
+          </a:p>
+        </p:txBody>
+      </p:sp>
+      <p:sp>
+        <p:nvSpPr>
+          <p:cNvPr id="109" name="CustomShape 2"/>
+          <p:cNvSpPr/>
           <p:nvPr/>
         </p:nvSpPr>
         <p:spPr>
           <a:xfrm>
             <a:off x="311760" y="4181400"/>
-            <a:ext cx="8520120" cy="387000"/>
+            <a:ext cx="8519760" cy="386640"/>
           </a:xfrm>
           <a:prstGeom prst="rect">
             <a:avLst/>
@@ -4370,20 +4128,42 @@
             <a:noFill/>
           </a:ln>
         </p:spPr>
-        <p:txBody>
-          <a:bodyPr tIns="91440" bIns="91440"/>
-          <a:p>
-            <a:endParaRPr b="0" lang="en-GB" sz="1400" spc="-1" strike="noStrike">
-              <a:solidFill>
-                <a:srgbClr val="000000"/>
-              </a:solidFill>
-              <a:latin typeface="Arial"/>
-            </a:endParaRPr>
-          </a:p>
-        </p:txBody>
+        <p:style>
+          <a:lnRef idx="0"/>
+          <a:fillRef idx="0"/>
+          <a:effectRef idx="0"/>
+          <a:fontRef idx="minor"/>
+        </p:style>
       </p:sp>
     </p:spTree>
   </p:cSld>
+  <p:timing>
+    <p:tnLst>
+      <p:par>
+        <p:cTn id="27" dur="indefinite" restart="never" nodeType="tmRoot">
+          <p:childTnLst>
+            <p:seq>
+              <p:cTn id="28" dur="indefinite" nodeType="mainSeq"/>
+              <p:prevCondLst>
+                <p:cond delay="0" evt="onPrev">
+                  <p:tgtEl>
+                    <p:sldTgt/>
+                  </p:tgtEl>
+                </p:cond>
+              </p:prevCondLst>
+              <p:nextCondLst>
+                <p:cond delay="0" evt="onNext">
+                  <p:tgtEl>
+                    <p:sldTgt/>
+                  </p:tgtEl>
+                </p:cond>
+              </p:nextCondLst>
+            </p:seq>
+          </p:childTnLst>
+        </p:cTn>
+      </p:par>
+    </p:tnLst>
+  </p:timing>
 </p:sld>
 </file>
 
@@ -4406,14 +4186,14 @@
       </p:grpSpPr>
       <p:sp>
         <p:nvSpPr>
-          <p:cNvPr id="112" name="TextShape 1"/>
-          <p:cNvSpPr txBox="1"/>
+          <p:cNvPr id="110" name="CustomShape 1"/>
+          <p:cNvSpPr/>
           <p:nvPr/>
         </p:nvSpPr>
         <p:spPr>
           <a:xfrm>
             <a:off x="311760" y="444960"/>
-            <a:ext cx="8520120" cy="572400"/>
+            <a:ext cx="8519760" cy="572040"/>
           </a:xfrm>
           <a:prstGeom prst="rect">
             <a:avLst/>
@@ -4423,28 +4203,23 @@
             <a:noFill/>
           </a:ln>
         </p:spPr>
-        <p:txBody>
-          <a:bodyPr tIns="91440" bIns="91440"/>
-          <a:p>
-            <a:endParaRPr b="0" lang="en-GB" sz="1400" spc="-1" strike="noStrike">
-              <a:solidFill>
-                <a:srgbClr val="000000"/>
-              </a:solidFill>
-              <a:latin typeface="Arial"/>
-            </a:endParaRPr>
-          </a:p>
-        </p:txBody>
-      </p:sp>
-      <p:sp>
-        <p:nvSpPr>
-          <p:cNvPr id="113" name="TextShape 2"/>
-          <p:cNvSpPr txBox="1"/>
+        <p:style>
+          <a:lnRef idx="0"/>
+          <a:fillRef idx="0"/>
+          <a:effectRef idx="0"/>
+          <a:fontRef idx="minor"/>
+        </p:style>
+      </p:sp>
+      <p:sp>
+        <p:nvSpPr>
+          <p:cNvPr id="111" name="CustomShape 2"/>
+          <p:cNvSpPr/>
           <p:nvPr/>
         </p:nvSpPr>
         <p:spPr>
           <a:xfrm>
             <a:off x="311760" y="1152360"/>
-            <a:ext cx="8520120" cy="3416040"/>
+            <a:ext cx="8519760" cy="3415680"/>
           </a:xfrm>
           <a:prstGeom prst="rect">
             <a:avLst/>
@@ -4454,21 +4229,16 @@
             <a:noFill/>
           </a:ln>
         </p:spPr>
-        <p:txBody>
-          <a:bodyPr tIns="91440" bIns="91440"/>
-          <a:p>
-            <a:endParaRPr b="0" lang="en-GB" sz="1400" spc="-1" strike="noStrike">
-              <a:solidFill>
-                <a:srgbClr val="000000"/>
-              </a:solidFill>
-              <a:latin typeface="Arial"/>
-            </a:endParaRPr>
-          </a:p>
-        </p:txBody>
+        <p:style>
+          <a:lnRef idx="0"/>
+          <a:fillRef idx="0"/>
+          <a:effectRef idx="0"/>
+          <a:fontRef idx="minor"/>
+        </p:style>
       </p:sp>
       <p:pic>
         <p:nvPicPr>
-          <p:cNvPr id="114" name="Google Shape;146;p27" descr=""/>
+          <p:cNvPr id="112" name="Google Shape;146;p27" descr=""/>
           <p:cNvPicPr/>
           <p:nvPr/>
         </p:nvPicPr>
@@ -4479,7 +4249,7 @@
         <p:spPr>
           <a:xfrm>
             <a:off x="311760" y="444960"/>
-            <a:ext cx="5950440" cy="4582080"/>
+            <a:ext cx="5950080" cy="4581720"/>
           </a:xfrm>
           <a:prstGeom prst="rect">
             <a:avLst/>
@@ -4491,6 +4261,33 @@
       </p:pic>
     </p:spTree>
   </p:cSld>
+  <p:timing>
+    <p:tnLst>
+      <p:par>
+        <p:cTn id="29" dur="indefinite" restart="never" nodeType="tmRoot">
+          <p:childTnLst>
+            <p:seq>
+              <p:cTn id="30" dur="indefinite" nodeType="mainSeq"/>
+              <p:prevCondLst>
+                <p:cond delay="0" evt="onPrev">
+                  <p:tgtEl>
+                    <p:sldTgt/>
+                  </p:tgtEl>
+                </p:cond>
+              </p:prevCondLst>
+              <p:nextCondLst>
+                <p:cond delay="0" evt="onNext">
+                  <p:tgtEl>
+                    <p:sldTgt/>
+                  </p:tgtEl>
+                </p:cond>
+              </p:nextCondLst>
+            </p:seq>
+          </p:childTnLst>
+        </p:cTn>
+      </p:par>
+    </p:tnLst>
+  </p:timing>
 </p:sld>
 </file>
 
@@ -4513,14 +4310,14 @@
       </p:grpSpPr>
       <p:sp>
         <p:nvSpPr>
-          <p:cNvPr id="80" name="TextShape 1"/>
-          <p:cNvSpPr txBox="1"/>
+          <p:cNvPr id="78" name="CustomShape 1"/>
+          <p:cNvSpPr/>
           <p:nvPr/>
         </p:nvSpPr>
         <p:spPr>
           <a:xfrm>
             <a:off x="311760" y="444960"/>
-            <a:ext cx="8520120" cy="2577240"/>
+            <a:ext cx="8519760" cy="2576880"/>
           </a:xfrm>
           <a:prstGeom prst="rect">
             <a:avLst/>
@@ -4530,8 +4327,14 @@
             <a:noFill/>
           </a:ln>
         </p:spPr>
-        <p:txBody>
-          <a:bodyPr tIns="91440" bIns="91440"/>
+        <p:style>
+          <a:lnRef idx="0"/>
+          <a:fillRef idx="0"/>
+          <a:effectRef idx="0"/>
+          <a:fontRef idx="minor"/>
+        </p:style>
+        <p:txBody>
+          <a:bodyPr lIns="90000" rIns="90000" tIns="91440" bIns="91440"/>
           <a:p>
             <a:pPr>
               <a:lnSpc>
@@ -4561,24 +4364,21 @@
             </a:r>
             <a:br/>
             <a:endParaRPr b="0" lang="en-GB" sz="3600" spc="-1" strike="noStrike">
-              <a:solidFill>
-                <a:srgbClr val="000000"/>
-              </a:solidFill>
-              <a:latin typeface="Arial"/>
-            </a:endParaRPr>
-          </a:p>
-        </p:txBody>
-      </p:sp>
-      <p:sp>
-        <p:nvSpPr>
-          <p:cNvPr id="81" name="TextShape 2"/>
-          <p:cNvSpPr txBox="1"/>
+              <a:latin typeface="Arial"/>
+            </a:endParaRPr>
+          </a:p>
+        </p:txBody>
+      </p:sp>
+      <p:sp>
+        <p:nvSpPr>
+          <p:cNvPr id="79" name="CustomShape 2"/>
+          <p:cNvSpPr/>
           <p:nvPr/>
         </p:nvSpPr>
         <p:spPr>
           <a:xfrm>
             <a:off x="244440" y="1597680"/>
-            <a:ext cx="8520120" cy="2970720"/>
+            <a:ext cx="8519760" cy="2970360"/>
           </a:xfrm>
           <a:prstGeom prst="rect">
             <a:avLst/>
@@ -4588,18 +4388,21 @@
             <a:noFill/>
           </a:ln>
         </p:spPr>
-        <p:txBody>
-          <a:bodyPr tIns="91440" bIns="91440"/>
+        <p:style>
+          <a:lnRef idx="0"/>
+          <a:fillRef idx="0"/>
+          <a:effectRef idx="0"/>
+          <a:fontRef idx="minor"/>
+        </p:style>
+        <p:txBody>
+          <a:bodyPr lIns="90000" rIns="90000" tIns="91440" bIns="91440"/>
           <a:p>
             <a:pPr>
               <a:lnSpc>
                 <a:spcPct val="100000"/>
               </a:lnSpc>
             </a:pPr>
-            <a:endParaRPr b="0" lang="en-GB" sz="1400" spc="-1" strike="noStrike">
-              <a:solidFill>
-                <a:srgbClr val="000000"/>
-              </a:solidFill>
+            <a:endParaRPr b="0" lang="en-GB" sz="1800" spc="-1" strike="noStrike">
               <a:latin typeface="Arial"/>
             </a:endParaRPr>
           </a:p>
@@ -4615,10 +4418,7 @@
                 <a:spcPts val="1599"/>
               </a:spcAft>
             </a:pPr>
-            <a:endParaRPr b="0" lang="en-GB" sz="1400" spc="-1" strike="noStrike">
-              <a:solidFill>
-                <a:srgbClr val="000000"/>
-              </a:solidFill>
+            <a:endParaRPr b="0" lang="en-GB" sz="1800" spc="-1" strike="noStrike">
               <a:latin typeface="Arial"/>
             </a:endParaRPr>
           </a:p>
@@ -4626,7 +4426,7 @@
       </p:sp>
       <p:pic>
         <p:nvPicPr>
-          <p:cNvPr id="82" name="Google Shape;62;p14" descr=""/>
+          <p:cNvPr id="80" name="Google Shape;62;p14" descr=""/>
           <p:cNvPicPr/>
           <p:nvPr/>
         </p:nvPicPr>
@@ -4637,7 +4437,7 @@
         <p:spPr>
           <a:xfrm>
             <a:off x="4294800" y="1017720"/>
-            <a:ext cx="4582080" cy="2577240"/>
+            <a:ext cx="4581720" cy="2576880"/>
           </a:xfrm>
           <a:prstGeom prst="rect">
             <a:avLst/>
@@ -4649,7 +4449,7 @@
       </p:pic>
       <p:pic>
         <p:nvPicPr>
-          <p:cNvPr id="83" name="Google Shape;63;p14" descr=""/>
+          <p:cNvPr id="81" name="Google Shape;63;p14" descr=""/>
           <p:cNvPicPr/>
           <p:nvPr/>
         </p:nvPicPr>
@@ -4660,7 +4460,7 @@
         <p:spPr>
           <a:xfrm>
             <a:off x="2700720" y="1017720"/>
-            <a:ext cx="1870920" cy="3617280"/>
+            <a:ext cx="1870560" cy="3616920"/>
           </a:xfrm>
           <a:prstGeom prst="rect">
             <a:avLst/>
@@ -4721,14 +4521,14 @@
       </p:grpSpPr>
       <p:sp>
         <p:nvSpPr>
-          <p:cNvPr id="84" name="TextShape 1"/>
-          <p:cNvSpPr txBox="1"/>
+          <p:cNvPr id="82" name="CustomShape 1"/>
+          <p:cNvSpPr/>
           <p:nvPr/>
         </p:nvSpPr>
         <p:spPr>
           <a:xfrm>
             <a:off x="311760" y="444960"/>
-            <a:ext cx="8520120" cy="572400"/>
+            <a:ext cx="8519760" cy="572040"/>
           </a:xfrm>
           <a:prstGeom prst="rect">
             <a:avLst/>
@@ -4738,8 +4538,14 @@
             <a:noFill/>
           </a:ln>
         </p:spPr>
-        <p:txBody>
-          <a:bodyPr tIns="91440" bIns="91440"/>
+        <p:style>
+          <a:lnRef idx="0"/>
+          <a:fillRef idx="0"/>
+          <a:effectRef idx="0"/>
+          <a:fontRef idx="minor"/>
+        </p:style>
+        <p:txBody>
+          <a:bodyPr lIns="90000" rIns="90000" tIns="91440" bIns="91440"/>
           <a:p>
             <a:pPr>
               <a:lnSpc>
@@ -4757,24 +4563,21 @@
               <a:t>But first lets play music</a:t>
             </a:r>
             <a:endParaRPr b="0" lang="en-GB" sz="2800" spc="-1" strike="noStrike">
-              <a:solidFill>
-                <a:srgbClr val="000000"/>
-              </a:solidFill>
-              <a:latin typeface="Arial"/>
-            </a:endParaRPr>
-          </a:p>
-        </p:txBody>
-      </p:sp>
-      <p:sp>
-        <p:nvSpPr>
-          <p:cNvPr id="85" name="TextShape 2"/>
-          <p:cNvSpPr txBox="1"/>
+              <a:latin typeface="Arial"/>
+            </a:endParaRPr>
+          </a:p>
+        </p:txBody>
+      </p:sp>
+      <p:sp>
+        <p:nvSpPr>
+          <p:cNvPr id="83" name="CustomShape 2"/>
+          <p:cNvSpPr/>
           <p:nvPr/>
         </p:nvSpPr>
         <p:spPr>
           <a:xfrm>
             <a:off x="311760" y="1152360"/>
-            <a:ext cx="8520120" cy="3416040"/>
+            <a:ext cx="8519760" cy="3415680"/>
           </a:xfrm>
           <a:prstGeom prst="rect">
             <a:avLst/>
@@ -4784,8 +4587,14 @@
             <a:noFill/>
           </a:ln>
         </p:spPr>
-        <p:txBody>
-          <a:bodyPr tIns="91440" bIns="91440"/>
+        <p:style>
+          <a:lnRef idx="0"/>
+          <a:fillRef idx="0"/>
+          <a:effectRef idx="0"/>
+          <a:fontRef idx="minor"/>
+        </p:style>
+        <p:txBody>
+          <a:bodyPr lIns="90000" rIns="90000" tIns="91440" bIns="91440"/>
           <a:p>
             <a:pPr>
               <a:lnSpc>
@@ -4803,9 +4612,6 @@
               <a:t>The Arduino is not brilliant at playing music.</a:t>
             </a:r>
             <a:endParaRPr b="0" lang="en-GB" sz="1800" spc="-1" strike="noStrike">
-              <a:solidFill>
-                <a:srgbClr val="000000"/>
-              </a:solidFill>
               <a:latin typeface="Arial"/>
             </a:endParaRPr>
           </a:p>
@@ -4829,9 +4635,6 @@
               <a:t>Don’t Expect C.D Quality sound.</a:t>
             </a:r>
             <a:endParaRPr b="0" lang="en-GB" sz="1800" spc="-1" strike="noStrike">
-              <a:solidFill>
-                <a:srgbClr val="000000"/>
-              </a:solidFill>
               <a:latin typeface="Arial"/>
             </a:endParaRPr>
           </a:p>
@@ -4855,9 +4658,6 @@
               <a:t>But it can make fun and interesting Beeps, Bloops and Whistles.</a:t>
             </a:r>
             <a:endParaRPr b="0" lang="en-GB" sz="1800" spc="-1" strike="noStrike">
-              <a:solidFill>
-                <a:srgbClr val="000000"/>
-              </a:solidFill>
               <a:latin typeface="Arial"/>
             </a:endParaRPr>
           </a:p>
@@ -4871,9 +4671,6 @@
               </a:spcBef>
             </a:pPr>
             <a:endParaRPr b="0" lang="en-GB" sz="1800" spc="-1" strike="noStrike">
-              <a:solidFill>
-                <a:srgbClr val="000000"/>
-              </a:solidFill>
               <a:latin typeface="Arial"/>
             </a:endParaRPr>
           </a:p>
@@ -4900,9 +4697,6 @@
               <a:t>Lets connect our circuit</a:t>
             </a:r>
             <a:endParaRPr b="0" lang="en-GB" sz="1800" spc="-1" strike="noStrike">
-              <a:solidFill>
-                <a:srgbClr val="000000"/>
-              </a:solidFill>
               <a:latin typeface="Arial"/>
             </a:endParaRPr>
           </a:p>
@@ -4959,14 +4753,14 @@
       </p:grpSpPr>
       <p:sp>
         <p:nvSpPr>
-          <p:cNvPr id="86" name="TextShape 1"/>
-          <p:cNvSpPr txBox="1"/>
+          <p:cNvPr id="84" name="CustomShape 1"/>
+          <p:cNvSpPr/>
           <p:nvPr/>
         </p:nvSpPr>
         <p:spPr>
           <a:xfrm>
             <a:off x="311760" y="444960"/>
-            <a:ext cx="8520120" cy="572400"/>
+            <a:ext cx="8519760" cy="572040"/>
           </a:xfrm>
           <a:prstGeom prst="rect">
             <a:avLst/>
@@ -4976,8 +4770,14 @@
             <a:noFill/>
           </a:ln>
         </p:spPr>
-        <p:txBody>
-          <a:bodyPr tIns="91440" bIns="91440"/>
+        <p:style>
+          <a:lnRef idx="0"/>
+          <a:fillRef idx="0"/>
+          <a:effectRef idx="0"/>
+          <a:fontRef idx="minor"/>
+        </p:style>
+        <p:txBody>
+          <a:bodyPr lIns="90000" rIns="90000" tIns="91440" bIns="91440"/>
           <a:p>
             <a:pPr>
               <a:lnSpc>
@@ -4995,24 +4795,21 @@
               <a:t>Playing with Music and Sounds</a:t>
             </a:r>
             <a:endParaRPr b="0" lang="en-GB" sz="2800" spc="-1" strike="noStrike">
-              <a:solidFill>
-                <a:srgbClr val="000000"/>
-              </a:solidFill>
-              <a:latin typeface="Arial"/>
-            </a:endParaRPr>
-          </a:p>
-        </p:txBody>
-      </p:sp>
-      <p:sp>
-        <p:nvSpPr>
-          <p:cNvPr id="87" name="TextShape 2"/>
-          <p:cNvSpPr txBox="1"/>
+              <a:latin typeface="Arial"/>
+            </a:endParaRPr>
+          </a:p>
+        </p:txBody>
+      </p:sp>
+      <p:sp>
+        <p:nvSpPr>
+          <p:cNvPr id="85" name="CustomShape 2"/>
+          <p:cNvSpPr/>
           <p:nvPr/>
         </p:nvSpPr>
         <p:spPr>
           <a:xfrm>
             <a:off x="311760" y="1152360"/>
-            <a:ext cx="4354560" cy="3416040"/>
+            <a:ext cx="4354200" cy="3415680"/>
           </a:xfrm>
           <a:prstGeom prst="rect">
             <a:avLst/>
@@ -5022,8 +4819,14 @@
             <a:noFill/>
           </a:ln>
         </p:spPr>
-        <p:txBody>
-          <a:bodyPr tIns="91440" bIns="91440"/>
+        <p:style>
+          <a:lnRef idx="0"/>
+          <a:fillRef idx="0"/>
+          <a:effectRef idx="0"/>
+          <a:fontRef idx="minor"/>
+        </p:style>
+        <p:txBody>
+          <a:bodyPr lIns="90000" rIns="90000" tIns="91440" bIns="91440"/>
           <a:p>
             <a:pPr>
               <a:lnSpc>
@@ -5044,9 +4847,6 @@
               <a:t>Hhhh</a:t>
             </a:r>
             <a:endParaRPr b="0" lang="en-GB" sz="1800" spc="-1" strike="noStrike">
-              <a:solidFill>
-                <a:srgbClr val="000000"/>
-              </a:solidFill>
               <a:latin typeface="Arial"/>
             </a:endParaRPr>
           </a:p>
@@ -5054,7 +4854,7 @@
       </p:sp>
       <p:pic>
         <p:nvPicPr>
-          <p:cNvPr id="88" name="Google Shape;76;p16" descr=""/>
+          <p:cNvPr id="86" name="Google Shape;76;p16" descr=""/>
           <p:cNvPicPr/>
           <p:nvPr/>
         </p:nvPicPr>
@@ -5065,7 +4865,7 @@
         <p:spPr>
           <a:xfrm>
             <a:off x="311760" y="1152360"/>
-            <a:ext cx="4059720" cy="3804480"/>
+            <a:ext cx="4059360" cy="3804120"/>
           </a:xfrm>
           <a:prstGeom prst="rect">
             <a:avLst/>
@@ -5077,14 +4877,14 @@
       </p:pic>
       <p:sp>
         <p:nvSpPr>
-          <p:cNvPr id="89" name="CustomShape 3"/>
+          <p:cNvPr id="87" name="CustomShape 3"/>
           <p:cNvSpPr/>
           <p:nvPr/>
         </p:nvSpPr>
         <p:spPr>
           <a:xfrm>
             <a:off x="3333960" y="1245240"/>
-            <a:ext cx="5326560" cy="3079800"/>
+            <a:ext cx="5326200" cy="3079440"/>
           </a:xfrm>
           <a:prstGeom prst="rect">
             <a:avLst/>
@@ -5101,7 +4901,7 @@
           <a:fontRef idx="minor"/>
         </p:style>
         <p:txBody>
-          <a:bodyPr tIns="91440" bIns="91440"/>
+          <a:bodyPr lIns="90000" rIns="90000" tIns="91440" bIns="91440"/>
           <a:p>
             <a:pPr>
               <a:lnSpc>
@@ -5116,7 +4916,27 @@
                 <a:latin typeface="Arial"/>
                 <a:ea typeface="Arial"/>
               </a:rPr>
-              <a:t>Use Pins 12 and 13</a:t>
+              <a:t>Use Pins 11 and 12 on an Arduino Mega2560</a:t>
+            </a:r>
+            <a:endParaRPr b="0" lang="en-GB" sz="1800" spc="-1" strike="noStrike">
+              <a:latin typeface="Arial"/>
+            </a:endParaRPr>
+          </a:p>
+          <a:p>
+            <a:pPr>
+              <a:lnSpc>
+                <a:spcPct val="100000"/>
+              </a:lnSpc>
+            </a:pPr>
+            <a:r>
+              <a:rPr b="0" lang="en-GB" sz="1800" spc="-1" strike="noStrike">
+                <a:solidFill>
+                  <a:srgbClr val="000000"/>
+                </a:solidFill>
+                <a:latin typeface="Arial"/>
+                <a:ea typeface="Arial"/>
+              </a:rPr>
+              <a:t>Use Pins 12 and 13 on a Arduino Uno or Nano</a:t>
             </a:r>
             <a:endParaRPr b="0" lang="en-GB" sz="1800" spc="-1" strike="noStrike">
               <a:latin typeface="Arial"/>
@@ -5225,14 +5045,14 @@
       </p:grpSpPr>
       <p:sp>
         <p:nvSpPr>
-          <p:cNvPr id="90" name="TextShape 1"/>
-          <p:cNvSpPr txBox="1"/>
+          <p:cNvPr id="88" name="CustomShape 1"/>
+          <p:cNvSpPr/>
           <p:nvPr/>
         </p:nvSpPr>
         <p:spPr>
           <a:xfrm>
             <a:off x="311760" y="444960"/>
-            <a:ext cx="8520120" cy="572400"/>
+            <a:ext cx="8519760" cy="572040"/>
           </a:xfrm>
           <a:prstGeom prst="rect">
             <a:avLst/>
@@ -5242,8 +5062,14 @@
             <a:noFill/>
           </a:ln>
         </p:spPr>
-        <p:txBody>
-          <a:bodyPr tIns="91440" bIns="91440"/>
+        <p:style>
+          <a:lnRef idx="0"/>
+          <a:fillRef idx="0"/>
+          <a:effectRef idx="0"/>
+          <a:fontRef idx="minor"/>
+        </p:style>
+        <p:txBody>
+          <a:bodyPr lIns="90000" rIns="90000" tIns="91440" bIns="91440"/>
           <a:p>
             <a:pPr>
               <a:lnSpc>
@@ -5261,24 +5087,21 @@
               <a:t>Install the toneac Library</a:t>
             </a:r>
             <a:endParaRPr b="0" lang="en-GB" sz="2800" spc="-1" strike="noStrike">
-              <a:solidFill>
-                <a:srgbClr val="000000"/>
-              </a:solidFill>
-              <a:latin typeface="Arial"/>
-            </a:endParaRPr>
-          </a:p>
-        </p:txBody>
-      </p:sp>
-      <p:sp>
-        <p:nvSpPr>
-          <p:cNvPr id="91" name="TextShape 2"/>
-          <p:cNvSpPr txBox="1"/>
+              <a:latin typeface="Arial"/>
+            </a:endParaRPr>
+          </a:p>
+        </p:txBody>
+      </p:sp>
+      <p:sp>
+        <p:nvSpPr>
+          <p:cNvPr id="89" name="CustomShape 2"/>
+          <p:cNvSpPr/>
           <p:nvPr/>
         </p:nvSpPr>
         <p:spPr>
           <a:xfrm>
             <a:off x="311760" y="1152360"/>
-            <a:ext cx="8520120" cy="3416040"/>
+            <a:ext cx="8519760" cy="3415680"/>
           </a:xfrm>
           <a:prstGeom prst="rect">
             <a:avLst/>
@@ -5288,21 +5111,16 @@
             <a:noFill/>
           </a:ln>
         </p:spPr>
-        <p:txBody>
-          <a:bodyPr tIns="91440" bIns="91440"/>
-          <a:p>
-            <a:endParaRPr b="0" lang="en-GB" sz="1400" spc="-1" strike="noStrike">
-              <a:solidFill>
-                <a:srgbClr val="000000"/>
-              </a:solidFill>
-              <a:latin typeface="Arial"/>
-            </a:endParaRPr>
-          </a:p>
-        </p:txBody>
+        <p:style>
+          <a:lnRef idx="0"/>
+          <a:fillRef idx="0"/>
+          <a:effectRef idx="0"/>
+          <a:fontRef idx="minor"/>
+        </p:style>
       </p:sp>
       <p:pic>
         <p:nvPicPr>
-          <p:cNvPr id="92" name="Google Shape;84;p17" descr=""/>
+          <p:cNvPr id="90" name="Google Shape;84;p17" descr=""/>
           <p:cNvPicPr/>
           <p:nvPr/>
         </p:nvPicPr>
@@ -5313,7 +5131,7 @@
         <p:spPr>
           <a:xfrm>
             <a:off x="311760" y="1123560"/>
-            <a:ext cx="5982120" cy="3416040"/>
+            <a:ext cx="5981760" cy="3415680"/>
           </a:xfrm>
           <a:prstGeom prst="rect">
             <a:avLst/>
@@ -5325,14 +5143,14 @@
       </p:pic>
       <p:sp>
         <p:nvSpPr>
-          <p:cNvPr id="93" name="CustomShape 3"/>
+          <p:cNvPr id="91" name="CustomShape 3"/>
           <p:cNvSpPr/>
           <p:nvPr/>
         </p:nvSpPr>
         <p:spPr>
           <a:xfrm>
             <a:off x="6363720" y="1123560"/>
-            <a:ext cx="2779920" cy="2714760"/>
+            <a:ext cx="2779560" cy="2714400"/>
           </a:xfrm>
           <a:prstGeom prst="rect">
             <a:avLst/>
@@ -5349,7 +5167,7 @@
           <a:fontRef idx="minor"/>
         </p:style>
         <p:txBody>
-          <a:bodyPr tIns="91440" bIns="91440"/>
+          <a:bodyPr lIns="90000" rIns="90000" tIns="91440" bIns="91440"/>
           <a:p>
             <a:pPr>
               <a:lnSpc>
@@ -5443,14 +5261,14 @@
       </p:grpSpPr>
       <p:sp>
         <p:nvSpPr>
-          <p:cNvPr id="94" name="TextShape 1"/>
-          <p:cNvSpPr txBox="1"/>
+          <p:cNvPr id="92" name="CustomShape 1"/>
+          <p:cNvSpPr/>
           <p:nvPr/>
         </p:nvSpPr>
         <p:spPr>
           <a:xfrm>
             <a:off x="311760" y="444960"/>
-            <a:ext cx="8520120" cy="3725640"/>
+            <a:ext cx="8519760" cy="3725280"/>
           </a:xfrm>
           <a:prstGeom prst="rect">
             <a:avLst/>
@@ -5460,8 +5278,14 @@
             <a:noFill/>
           </a:ln>
         </p:spPr>
-        <p:txBody>
-          <a:bodyPr tIns="91440" bIns="91440"/>
+        <p:style>
+          <a:lnRef idx="0"/>
+          <a:fillRef idx="0"/>
+          <a:effectRef idx="0"/>
+          <a:fontRef idx="minor"/>
+        </p:style>
+        <p:txBody>
+          <a:bodyPr lIns="90000" rIns="90000" tIns="91440" bIns="91440"/>
           <a:p>
             <a:pPr>
               <a:lnSpc>
@@ -5479,24 +5303,21 @@
               <a:t>Open toneac_Demo from the Folder on your desktop</a:t>
             </a:r>
             <a:endParaRPr b="0" lang="en-GB" sz="2800" spc="-1" strike="noStrike">
-              <a:solidFill>
-                <a:srgbClr val="000000"/>
-              </a:solidFill>
-              <a:latin typeface="Arial"/>
-            </a:endParaRPr>
-          </a:p>
-        </p:txBody>
-      </p:sp>
-      <p:sp>
-        <p:nvSpPr>
-          <p:cNvPr id="95" name="TextShape 2"/>
-          <p:cNvSpPr txBox="1"/>
+              <a:latin typeface="Arial"/>
+            </a:endParaRPr>
+          </a:p>
+        </p:txBody>
+      </p:sp>
+      <p:sp>
+        <p:nvSpPr>
+          <p:cNvPr id="93" name="CustomShape 2"/>
+          <p:cNvSpPr/>
           <p:nvPr/>
         </p:nvSpPr>
         <p:spPr>
           <a:xfrm>
             <a:off x="311760" y="1152360"/>
-            <a:ext cx="8520120" cy="3416040"/>
+            <a:ext cx="8519760" cy="3415680"/>
           </a:xfrm>
           <a:prstGeom prst="rect">
             <a:avLst/>
@@ -5506,8 +5327,14 @@
             <a:noFill/>
           </a:ln>
         </p:spPr>
-        <p:txBody>
-          <a:bodyPr tIns="91440" bIns="91440"/>
+        <p:style>
+          <a:lnRef idx="0"/>
+          <a:fillRef idx="0"/>
+          <a:effectRef idx="0"/>
+          <a:fontRef idx="minor"/>
+        </p:style>
+        <p:txBody>
+          <a:bodyPr lIns="90000" rIns="90000" tIns="91440" bIns="91440"/>
           <a:p>
             <a:pPr>
               <a:lnSpc>
@@ -5525,9 +5352,6 @@
               <a:t>Two things we haven’t seen before</a:t>
             </a:r>
             <a:endParaRPr b="0" lang="en-GB" sz="2000" spc="-1" strike="noStrike">
-              <a:solidFill>
-                <a:srgbClr val="000000"/>
-              </a:solidFill>
               <a:latin typeface="Arial"/>
             </a:endParaRPr>
           </a:p>
@@ -5551,9 +5375,6 @@
               <a:t>Before Setup</a:t>
             </a:r>
             <a:endParaRPr b="0" lang="en-GB" sz="2000" spc="-1" strike="noStrike">
-              <a:solidFill>
-                <a:srgbClr val="000000"/>
-              </a:solidFill>
               <a:latin typeface="Arial"/>
             </a:endParaRPr>
           </a:p>
@@ -5577,9 +5398,6 @@
               <a:t>int melody[] = { 262, 196, 196, 220, 196, 0, 247, 262 };</a:t>
             </a:r>
             <a:endParaRPr b="0" lang="en-GB" sz="1800" spc="-1" strike="noStrike">
-              <a:solidFill>
-                <a:srgbClr val="000000"/>
-              </a:solidFill>
               <a:latin typeface="Arial"/>
             </a:endParaRPr>
           </a:p>
@@ -5603,9 +5421,6 @@
               <a:t>Melody is an array.</a:t>
             </a:r>
             <a:endParaRPr b="0" lang="en-GB" sz="1800" spc="-1" strike="noStrike">
-              <a:solidFill>
-                <a:srgbClr val="000000"/>
-              </a:solidFill>
               <a:latin typeface="Arial"/>
             </a:endParaRPr>
           </a:p>
@@ -5629,9 +5444,6 @@
               <a:t>It has been declared as an int. So it can contain multiple ints.</a:t>
             </a:r>
             <a:endParaRPr b="0" lang="en-GB" sz="1800" spc="-1" strike="noStrike">
-              <a:solidFill>
-                <a:srgbClr val="000000"/>
-              </a:solidFill>
               <a:latin typeface="Arial"/>
             </a:endParaRPr>
           </a:p>
@@ -5657,9 +5469,6 @@
               <a:t>https://www.arduino.cc/reference/en/language/variables/data-types/array/</a:t>
             </a:r>
             <a:endParaRPr b="0" lang="en-GB" sz="1800" spc="-1" strike="noStrike">
-              <a:solidFill>
-                <a:srgbClr val="000000"/>
-              </a:solidFill>
               <a:latin typeface="Arial"/>
             </a:endParaRPr>
           </a:p>
@@ -5673,9 +5482,6 @@
               </a:spcBef>
             </a:pPr>
             <a:endParaRPr b="0" lang="en-GB" sz="1800" spc="-1" strike="noStrike">
-              <a:solidFill>
-                <a:srgbClr val="000000"/>
-              </a:solidFill>
               <a:latin typeface="Arial"/>
             </a:endParaRPr>
           </a:p>
@@ -5692,9 +5498,6 @@
               </a:spcAft>
             </a:pPr>
             <a:endParaRPr b="0" lang="en-GB" sz="1800" spc="-1" strike="noStrike">
-              <a:solidFill>
-                <a:srgbClr val="000000"/>
-              </a:solidFill>
               <a:latin typeface="Arial"/>
             </a:endParaRPr>
           </a:p>
@@ -5751,14 +5554,14 @@
       </p:grpSpPr>
       <p:sp>
         <p:nvSpPr>
-          <p:cNvPr id="96" name="TextShape 1"/>
-          <p:cNvSpPr txBox="1"/>
+          <p:cNvPr id="94" name="CustomShape 1"/>
+          <p:cNvSpPr/>
           <p:nvPr/>
         </p:nvSpPr>
         <p:spPr>
           <a:xfrm>
             <a:off x="311760" y="444960"/>
-            <a:ext cx="8520120" cy="572400"/>
+            <a:ext cx="8519760" cy="572040"/>
           </a:xfrm>
           <a:prstGeom prst="rect">
             <a:avLst/>
@@ -5768,8 +5571,14 @@
             <a:noFill/>
           </a:ln>
         </p:spPr>
-        <p:txBody>
-          <a:bodyPr tIns="91440" bIns="91440"/>
+        <p:style>
+          <a:lnRef idx="0"/>
+          <a:fillRef idx="0"/>
+          <a:effectRef idx="0"/>
+          <a:fontRef idx="minor"/>
+        </p:style>
+        <p:txBody>
+          <a:bodyPr lIns="90000" rIns="90000" tIns="91440" bIns="91440"/>
           <a:p>
             <a:pPr>
               <a:lnSpc>
@@ -5788,24 +5597,21 @@
             </a:r>
             <a:br/>
             <a:endParaRPr b="0" lang="en-GB" sz="2800" spc="-1" strike="noStrike">
-              <a:solidFill>
-                <a:srgbClr val="000000"/>
-              </a:solidFill>
-              <a:latin typeface="Arial"/>
-            </a:endParaRPr>
-          </a:p>
-        </p:txBody>
-      </p:sp>
-      <p:sp>
-        <p:nvSpPr>
-          <p:cNvPr id="97" name="TextShape 2"/>
-          <p:cNvSpPr txBox="1"/>
+              <a:latin typeface="Arial"/>
+            </a:endParaRPr>
+          </a:p>
+        </p:txBody>
+      </p:sp>
+      <p:sp>
+        <p:nvSpPr>
+          <p:cNvPr id="95" name="CustomShape 2"/>
+          <p:cNvSpPr/>
           <p:nvPr/>
         </p:nvSpPr>
         <p:spPr>
           <a:xfrm>
             <a:off x="311760" y="1152360"/>
-            <a:ext cx="8520120" cy="3849480"/>
+            <a:ext cx="8519760" cy="3849120"/>
           </a:xfrm>
           <a:prstGeom prst="rect">
             <a:avLst/>
@@ -5815,8 +5621,14 @@
             <a:noFill/>
           </a:ln>
         </p:spPr>
-        <p:txBody>
-          <a:bodyPr tIns="91440" bIns="91440"/>
+        <p:style>
+          <a:lnRef idx="0"/>
+          <a:fillRef idx="0"/>
+          <a:effectRef idx="0"/>
+          <a:fontRef idx="minor"/>
+        </p:style>
+        <p:txBody>
+          <a:bodyPr lIns="90000" rIns="90000" tIns="91440" bIns="91440"/>
           <a:p>
             <a:pPr>
               <a:lnSpc>
@@ -5834,9 +5646,6 @@
               <a:t>In Setup()</a:t>
             </a:r>
             <a:endParaRPr b="0" lang="en-GB" sz="2000" spc="-1" strike="noStrike">
-              <a:solidFill>
-                <a:srgbClr val="000000"/>
-              </a:solidFill>
               <a:latin typeface="Arial"/>
             </a:endParaRPr>
           </a:p>
@@ -5860,9 +5669,6 @@
               <a:t>Serial.begin(9600);</a:t>
             </a:r>
             <a:endParaRPr b="0" lang="en-GB" sz="2000" spc="-1" strike="noStrike">
-              <a:solidFill>
-                <a:srgbClr val="000000"/>
-              </a:solidFill>
               <a:latin typeface="Arial"/>
             </a:endParaRPr>
           </a:p>
@@ -5886,9 +5692,6 @@
               <a:t>This lets us use the serial Port to send data from the Arduino back to our Laptop</a:t>
             </a:r>
             <a:endParaRPr b="0" lang="en-GB" sz="2000" spc="-1" strike="noStrike">
-              <a:solidFill>
-                <a:srgbClr val="000000"/>
-              </a:solidFill>
               <a:latin typeface="Arial"/>
             </a:endParaRPr>
           </a:p>
@@ -5912,9 +5715,6 @@
               <a:t>In the For Loop</a:t>
             </a:r>
             <a:endParaRPr b="0" lang="en-GB" sz="2000" spc="-1" strike="noStrike">
-              <a:solidFill>
-                <a:srgbClr val="000000"/>
-              </a:solidFill>
               <a:latin typeface="Arial"/>
             </a:endParaRPr>
           </a:p>
@@ -5938,9 +5738,6 @@
               <a:t>Serial.println(melody[thisNote]);</a:t>
             </a:r>
             <a:endParaRPr b="0" lang="en-GB" sz="2000" spc="-1" strike="noStrike">
-              <a:solidFill>
-                <a:srgbClr val="000000"/>
-              </a:solidFill>
               <a:latin typeface="Arial"/>
             </a:endParaRPr>
           </a:p>
@@ -5964,9 +5761,6 @@
               <a:t>This is great for debugging our program and monitoring it when running</a:t>
             </a:r>
             <a:endParaRPr b="0" lang="en-GB" sz="2000" spc="-1" strike="noStrike">
-              <a:solidFill>
-                <a:srgbClr val="000000"/>
-              </a:solidFill>
               <a:latin typeface="Arial"/>
             </a:endParaRPr>
           </a:p>
@@ -5983,9 +5777,6 @@
               </a:spcAft>
             </a:pPr>
             <a:endParaRPr b="0" lang="en-GB" sz="2000" spc="-1" strike="noStrike">
-              <a:solidFill>
-                <a:srgbClr val="000000"/>
-              </a:solidFill>
               <a:latin typeface="Arial"/>
             </a:endParaRPr>
           </a:p>
@@ -6042,14 +5833,14 @@
       </p:grpSpPr>
       <p:sp>
         <p:nvSpPr>
-          <p:cNvPr id="98" name="TextShape 1"/>
-          <p:cNvSpPr txBox="1"/>
+          <p:cNvPr id="96" name="CustomShape 1"/>
+          <p:cNvSpPr/>
           <p:nvPr/>
         </p:nvSpPr>
         <p:spPr>
           <a:xfrm>
             <a:off x="311760" y="444960"/>
-            <a:ext cx="8520120" cy="572400"/>
+            <a:ext cx="8519760" cy="572040"/>
           </a:xfrm>
           <a:prstGeom prst="rect">
             <a:avLst/>
@@ -6059,28 +5850,23 @@
             <a:noFill/>
           </a:ln>
         </p:spPr>
-        <p:txBody>
-          <a:bodyPr tIns="91440" bIns="91440"/>
-          <a:p>
-            <a:endParaRPr b="0" lang="en-GB" sz="1400" spc="-1" strike="noStrike">
-              <a:solidFill>
-                <a:srgbClr val="000000"/>
-              </a:solidFill>
-              <a:latin typeface="Arial"/>
-            </a:endParaRPr>
-          </a:p>
-        </p:txBody>
-      </p:sp>
-      <p:sp>
-        <p:nvSpPr>
-          <p:cNvPr id="99" name="TextShape 2"/>
-          <p:cNvSpPr txBox="1"/>
+        <p:style>
+          <a:lnRef idx="0"/>
+          <a:fillRef idx="0"/>
+          <a:effectRef idx="0"/>
+          <a:fontRef idx="minor"/>
+        </p:style>
+      </p:sp>
+      <p:sp>
+        <p:nvSpPr>
+          <p:cNvPr id="97" name="CustomShape 2"/>
+          <p:cNvSpPr/>
           <p:nvPr/>
         </p:nvSpPr>
         <p:spPr>
           <a:xfrm>
             <a:off x="311760" y="1152360"/>
-            <a:ext cx="8520120" cy="3416040"/>
+            <a:ext cx="8519760" cy="3415680"/>
           </a:xfrm>
           <a:prstGeom prst="rect">
             <a:avLst/>
@@ -6090,8 +5876,14 @@
             <a:noFill/>
           </a:ln>
         </p:spPr>
-        <p:txBody>
-          <a:bodyPr tIns="91440" bIns="91440"/>
+        <p:style>
+          <a:lnRef idx="0"/>
+          <a:fillRef idx="0"/>
+          <a:effectRef idx="0"/>
+          <a:fontRef idx="minor"/>
+        </p:style>
+        <p:txBody>
+          <a:bodyPr lIns="90000" rIns="90000" tIns="91440" bIns="91440"/>
           <a:p>
             <a:pPr>
               <a:lnSpc>
@@ -6109,9 +5901,6 @@
               <a:t>Serial is accessed from </a:t>
             </a:r>
             <a:endParaRPr b="0" lang="en-GB" sz="2800" spc="-1" strike="noStrike">
-              <a:solidFill>
-                <a:srgbClr val="000000"/>
-              </a:solidFill>
               <a:latin typeface="Arial"/>
             </a:endParaRPr>
           </a:p>
@@ -6135,9 +5924,6 @@
               <a:t>Tools  &gt;  Serial Monitor.</a:t>
             </a:r>
             <a:endParaRPr b="0" lang="en-GB" sz="2800" spc="-1" strike="noStrike">
-              <a:solidFill>
-                <a:srgbClr val="000000"/>
-              </a:solidFill>
               <a:latin typeface="Arial"/>
             </a:endParaRPr>
           </a:p>
@@ -6161,9 +5947,6 @@
               <a:t>Make sure the speed it is set to is the same as declared in the line.- (Bottom Right hand Corner) </a:t>
             </a:r>
             <a:endParaRPr b="0" lang="en-GB" sz="2800" spc="-1" strike="noStrike">
-              <a:solidFill>
-                <a:srgbClr val="000000"/>
-              </a:solidFill>
               <a:latin typeface="Arial"/>
             </a:endParaRPr>
           </a:p>
@@ -6187,9 +5970,6 @@
               <a:t>Serial.begin(9600);</a:t>
             </a:r>
             <a:endParaRPr b="0" lang="en-GB" sz="2400" spc="-1" strike="noStrike">
-              <a:solidFill>
-                <a:srgbClr val="000000"/>
-              </a:solidFill>
               <a:latin typeface="Arial"/>
             </a:endParaRPr>
           </a:p>
@@ -6216,9 +5996,6 @@
               <a:t> </a:t>
             </a:r>
             <a:endParaRPr b="0" lang="en-GB" sz="2800" spc="-1" strike="noStrike">
-              <a:solidFill>
-                <a:srgbClr val="000000"/>
-              </a:solidFill>
               <a:latin typeface="Arial"/>
             </a:endParaRPr>
           </a:p>
@@ -6275,14 +6052,14 @@
       </p:grpSpPr>
       <p:sp>
         <p:nvSpPr>
-          <p:cNvPr id="100" name="TextShape 1"/>
-          <p:cNvSpPr txBox="1"/>
+          <p:cNvPr id="98" name="CustomShape 1"/>
+          <p:cNvSpPr/>
           <p:nvPr/>
         </p:nvSpPr>
         <p:spPr>
           <a:xfrm>
             <a:off x="270000" y="77400"/>
-            <a:ext cx="8873640" cy="5143320"/>
+            <a:ext cx="8873280" cy="5142960"/>
           </a:xfrm>
           <a:prstGeom prst="rect">
             <a:avLst/>
@@ -6292,8 +6069,14 @@
             <a:noFill/>
           </a:ln>
         </p:spPr>
-        <p:txBody>
-          <a:bodyPr tIns="91440" bIns="91440"/>
+        <p:style>
+          <a:lnRef idx="0"/>
+          <a:fillRef idx="0"/>
+          <a:effectRef idx="0"/>
+          <a:fontRef idx="minor"/>
+        </p:style>
+        <p:txBody>
+          <a:bodyPr lIns="90000" rIns="90000" tIns="91440" bIns="91440"/>
           <a:p>
             <a:pPr>
               <a:lnSpc>
@@ -6360,24 +6143,21 @@
             <a:br/>
             <a:br/>
             <a:endParaRPr b="0" lang="en-GB" sz="2800" spc="-1" strike="noStrike">
-              <a:solidFill>
-                <a:srgbClr val="000000"/>
-              </a:solidFill>
-              <a:latin typeface="Arial"/>
-            </a:endParaRPr>
-          </a:p>
-        </p:txBody>
-      </p:sp>
-      <p:sp>
-        <p:nvSpPr>
-          <p:cNvPr id="101" name="TextShape 2"/>
-          <p:cNvSpPr txBox="1"/>
+              <a:latin typeface="Arial"/>
+            </a:endParaRPr>
+          </a:p>
+        </p:txBody>
+      </p:sp>
+      <p:sp>
+        <p:nvSpPr>
+          <p:cNvPr id="99" name="CustomShape 2"/>
+          <p:cNvSpPr/>
           <p:nvPr/>
         </p:nvSpPr>
         <p:spPr>
           <a:xfrm rot="10800000">
-            <a:off x="270000" y="5221440"/>
-            <a:ext cx="8520120" cy="63720"/>
+            <a:off x="270360" y="5221800"/>
+            <a:ext cx="8519760" cy="63360"/>
           </a:xfrm>
           <a:prstGeom prst="rect">
             <a:avLst/>
@@ -6387,20 +6167,42 @@
             <a:noFill/>
           </a:ln>
         </p:spPr>
-        <p:txBody>
-          <a:bodyPr tIns="91440" bIns="91440"/>
-          <a:p>
-            <a:endParaRPr b="0" lang="en-GB" sz="1400" spc="-1" strike="noStrike">
-              <a:solidFill>
-                <a:srgbClr val="000000"/>
-              </a:solidFill>
-              <a:latin typeface="Arial"/>
-            </a:endParaRPr>
-          </a:p>
-        </p:txBody>
+        <p:style>
+          <a:lnRef idx="0"/>
+          <a:fillRef idx="0"/>
+          <a:effectRef idx="0"/>
+          <a:fontRef idx="minor"/>
+        </p:style>
       </p:sp>
     </p:spTree>
   </p:cSld>
+  <p:timing>
+    <p:tnLst>
+      <p:par>
+        <p:cTn id="17" dur="indefinite" restart="never" nodeType="tmRoot">
+          <p:childTnLst>
+            <p:seq>
+              <p:cTn id="18" dur="indefinite" nodeType="mainSeq"/>
+              <p:prevCondLst>
+                <p:cond delay="0" evt="onPrev">
+                  <p:tgtEl>
+                    <p:sldTgt/>
+                  </p:tgtEl>
+                </p:cond>
+              </p:prevCondLst>
+              <p:nextCondLst>
+                <p:cond delay="0" evt="onNext">
+                  <p:tgtEl>
+                    <p:sldTgt/>
+                  </p:tgtEl>
+                </p:cond>
+              </p:nextCondLst>
+            </p:seq>
+          </p:childTnLst>
+        </p:cTn>
+      </p:par>
+    </p:tnLst>
+  </p:timing>
 </p:sld>
 </file>
 
